--- a/oiiyi57e568.pptx
+++ b/oiiyi57e568.pptx
@@ -6,14 +6,15 @@
   </p:sldMasterIdLst>
   <p:sldIdLst>
     <p:sldId id="256" r:id="rId2"/>
-    <p:sldId id="258" r:id="rId3"/>
-    <p:sldId id="257" r:id="rId4"/>
-    <p:sldId id="259" r:id="rId5"/>
-    <p:sldId id="260" r:id="rId6"/>
-    <p:sldId id="261" r:id="rId7"/>
-    <p:sldId id="262" r:id="rId8"/>
-    <p:sldId id="263" r:id="rId9"/>
-    <p:sldId id="264" r:id="rId10"/>
+    <p:sldId id="265" r:id="rId3"/>
+    <p:sldId id="266" r:id="rId4"/>
+    <p:sldId id="258" r:id="rId5"/>
+    <p:sldId id="257" r:id="rId6"/>
+    <p:sldId id="259" r:id="rId7"/>
+    <p:sldId id="260" r:id="rId8"/>
+    <p:sldId id="261" r:id="rId9"/>
+    <p:sldId id="262" r:id="rId10"/>
+    <p:sldId id="263" r:id="rId11"/>
   </p:sldIdLst>
   <p:sldSz cx="12192000" cy="6858000"/>
   <p:notesSz cx="6858000" cy="9144000"/>
@@ -267,7 +268,7 @@
           <a:p>
             <a:fld id="{8761AB4C-C5EA-461E-97D0-09B6678E1AE5}" type="datetimeFigureOut">
               <a:rPr lang="ru-RU" smtClean="0"/>
-              <a:t>28.03.2024</a:t>
+              <a:t>02.04.2024</a:t>
             </a:fld>
             <a:endParaRPr lang="ru-RU"/>
           </a:p>
@@ -465,7 +466,7 @@
           <a:p>
             <a:fld id="{8761AB4C-C5EA-461E-97D0-09B6678E1AE5}" type="datetimeFigureOut">
               <a:rPr lang="ru-RU" smtClean="0"/>
-              <a:t>28.03.2024</a:t>
+              <a:t>02.04.2024</a:t>
             </a:fld>
             <a:endParaRPr lang="ru-RU"/>
           </a:p>
@@ -673,7 +674,7 @@
           <a:p>
             <a:fld id="{8761AB4C-C5EA-461E-97D0-09B6678E1AE5}" type="datetimeFigureOut">
               <a:rPr lang="ru-RU" smtClean="0"/>
-              <a:t>28.03.2024</a:t>
+              <a:t>02.04.2024</a:t>
             </a:fld>
             <a:endParaRPr lang="ru-RU"/>
           </a:p>
@@ -871,7 +872,7 @@
           <a:p>
             <a:fld id="{8761AB4C-C5EA-461E-97D0-09B6678E1AE5}" type="datetimeFigureOut">
               <a:rPr lang="ru-RU" smtClean="0"/>
-              <a:t>28.03.2024</a:t>
+              <a:t>02.04.2024</a:t>
             </a:fld>
             <a:endParaRPr lang="ru-RU"/>
           </a:p>
@@ -1146,7 +1147,7 @@
           <a:p>
             <a:fld id="{8761AB4C-C5EA-461E-97D0-09B6678E1AE5}" type="datetimeFigureOut">
               <a:rPr lang="ru-RU" smtClean="0"/>
-              <a:t>28.03.2024</a:t>
+              <a:t>02.04.2024</a:t>
             </a:fld>
             <a:endParaRPr lang="ru-RU"/>
           </a:p>
@@ -1411,7 +1412,7 @@
           <a:p>
             <a:fld id="{8761AB4C-C5EA-461E-97D0-09B6678E1AE5}" type="datetimeFigureOut">
               <a:rPr lang="ru-RU" smtClean="0"/>
-              <a:t>28.03.2024</a:t>
+              <a:t>02.04.2024</a:t>
             </a:fld>
             <a:endParaRPr lang="ru-RU"/>
           </a:p>
@@ -1823,7 +1824,7 @@
           <a:p>
             <a:fld id="{8761AB4C-C5EA-461E-97D0-09B6678E1AE5}" type="datetimeFigureOut">
               <a:rPr lang="ru-RU" smtClean="0"/>
-              <a:t>28.03.2024</a:t>
+              <a:t>02.04.2024</a:t>
             </a:fld>
             <a:endParaRPr lang="ru-RU"/>
           </a:p>
@@ -1964,7 +1965,7 @@
           <a:p>
             <a:fld id="{8761AB4C-C5EA-461E-97D0-09B6678E1AE5}" type="datetimeFigureOut">
               <a:rPr lang="ru-RU" smtClean="0"/>
-              <a:t>28.03.2024</a:t>
+              <a:t>02.04.2024</a:t>
             </a:fld>
             <a:endParaRPr lang="ru-RU"/>
           </a:p>
@@ -2077,7 +2078,7 @@
           <a:p>
             <a:fld id="{8761AB4C-C5EA-461E-97D0-09B6678E1AE5}" type="datetimeFigureOut">
               <a:rPr lang="ru-RU" smtClean="0"/>
-              <a:t>28.03.2024</a:t>
+              <a:t>02.04.2024</a:t>
             </a:fld>
             <a:endParaRPr lang="ru-RU"/>
           </a:p>
@@ -2388,7 +2389,7 @@
           <a:p>
             <a:fld id="{8761AB4C-C5EA-461E-97D0-09B6678E1AE5}" type="datetimeFigureOut">
               <a:rPr lang="ru-RU" smtClean="0"/>
-              <a:t>28.03.2024</a:t>
+              <a:t>02.04.2024</a:t>
             </a:fld>
             <a:endParaRPr lang="ru-RU"/>
           </a:p>
@@ -2676,7 +2677,7 @@
           <a:p>
             <a:fld id="{8761AB4C-C5EA-461E-97D0-09B6678E1AE5}" type="datetimeFigureOut">
               <a:rPr lang="ru-RU" smtClean="0"/>
-              <a:t>28.03.2024</a:t>
+              <a:t>02.04.2024</a:t>
             </a:fld>
             <a:endParaRPr lang="ru-RU"/>
           </a:p>
@@ -2917,7 +2918,7 @@
           <a:p>
             <a:fld id="{8761AB4C-C5EA-461E-97D0-09B6678E1AE5}" type="datetimeFigureOut">
               <a:rPr lang="ru-RU" smtClean="0"/>
-              <a:t>28.03.2024</a:t>
+              <a:t>02.04.2024</a:t>
             </a:fld>
             <a:endParaRPr lang="ru-RU"/>
           </a:p>
@@ -3397,7 +3398,7 @@
 </p:sld>
 </file>
 
-<file path=ppt/slides/slide2.xml><?xml version="1.0" encoding="utf-8"?>
+<file path=ppt/slides/slide10.xml><?xml version="1.0" encoding="utf-8"?>
 <p:sld xmlns:a="http://schemas.openxmlformats.org/drawingml/2006/main" xmlns:r="http://schemas.openxmlformats.org/officeDocument/2006/relationships" xmlns:p="http://schemas.openxmlformats.org/presentationml/2006/main">
   <p:cSld>
     <p:spTree>
@@ -3419,7 +3420,7 @@
           <p:cNvPr id="3" name="Рисунок 2">
             <a:extLst>
               <a:ext uri="{FF2B5EF4-FFF2-40B4-BE49-F238E27FC236}">
-                <a16:creationId xmlns:a16="http://schemas.microsoft.com/office/drawing/2014/main" id="{591610AD-6CCC-4B00-A671-2069D81908C7}"/>
+                <a16:creationId xmlns:a16="http://schemas.microsoft.com/office/drawing/2014/main" id="{8404E8AA-5A00-4E93-BAB3-3EC793CF0B82}"/>
               </a:ext>
             </a:extLst>
           </p:cNvPr>
@@ -3436,20 +3437,59 @@
         </p:blipFill>
         <p:spPr>
           <a:xfrm>
-            <a:off x="1213729" y="263465"/>
-            <a:ext cx="1388796" cy="1689077"/>
+            <a:off x="574882" y="321348"/>
+            <a:ext cx="5077534" cy="2248214"/>
           </a:xfrm>
           <a:prstGeom prst="rect">
             <a:avLst/>
           </a:prstGeom>
         </p:spPr>
       </p:pic>
+      <p:sp>
+        <p:nvSpPr>
+          <p:cNvPr id="2" name="TextBox 1">
+            <a:extLst>
+              <a:ext uri="{FF2B5EF4-FFF2-40B4-BE49-F238E27FC236}">
+                <a16:creationId xmlns:a16="http://schemas.microsoft.com/office/drawing/2014/main" id="{73B69D42-19A6-4234-BF18-4FC617CB8922}"/>
+              </a:ext>
+            </a:extLst>
+          </p:cNvPr>
+          <p:cNvSpPr txBox="1"/>
+          <p:nvPr/>
+        </p:nvSpPr>
+        <p:spPr>
+          <a:xfrm>
+            <a:off x="6330462" y="717452"/>
+            <a:ext cx="5077534" cy="369332"/>
+          </a:xfrm>
+          <a:prstGeom prst="rect">
+            <a:avLst/>
+          </a:prstGeom>
+          <a:noFill/>
+        </p:spPr>
+        <p:txBody>
+          <a:bodyPr wrap="square" rtlCol="0">
+            <a:spAutoFit/>
+          </a:bodyPr>
+          <a:lstStyle/>
+          <a:p>
+            <a:r>
+              <a:rPr lang="ru-RU" dirty="0" err="1"/>
+              <a:t>Добовляем</a:t>
+            </a:r>
+            <a:r>
+              <a:rPr lang="ru-RU" dirty="0"/>
+              <a:t> условие </a:t>
+            </a:r>
+          </a:p>
+        </p:txBody>
+      </p:sp>
       <p:pic>
         <p:nvPicPr>
-          <p:cNvPr id="5" name="Рисунок 4">
-            <a:extLst>
-              <a:ext uri="{FF2B5EF4-FFF2-40B4-BE49-F238E27FC236}">
-                <a16:creationId xmlns:a16="http://schemas.microsoft.com/office/drawing/2014/main" id="{74A6CCE0-CB85-4BFF-A751-B33EE24DCE66}"/>
+          <p:cNvPr id="4" name="Рисунок 3">
+            <a:extLst>
+              <a:ext uri="{FF2B5EF4-FFF2-40B4-BE49-F238E27FC236}">
+                <a16:creationId xmlns:a16="http://schemas.microsoft.com/office/drawing/2014/main" id="{B9ECD233-5291-4F70-BFA0-45E72FD2C964}"/>
               </a:ext>
             </a:extLst>
           </p:cNvPr>
@@ -3466,138 +3506,120 @@
         </p:blipFill>
         <p:spPr>
           <a:xfrm>
-            <a:off x="0" y="2466714"/>
-            <a:ext cx="4146063" cy="1568199"/>
+            <a:off x="703353" y="2864141"/>
+            <a:ext cx="4949063" cy="3137938"/>
           </a:xfrm>
           <a:prstGeom prst="rect">
             <a:avLst/>
           </a:prstGeom>
         </p:spPr>
       </p:pic>
-      <p:pic>
-        <p:nvPicPr>
-          <p:cNvPr id="7" name="Рисунок 6">
-            <a:extLst>
-              <a:ext uri="{FF2B5EF4-FFF2-40B4-BE49-F238E27FC236}">
-                <a16:creationId xmlns:a16="http://schemas.microsoft.com/office/drawing/2014/main" id="{F57AB463-3335-482A-BF9D-08DA00BF5E19}"/>
-              </a:ext>
-            </a:extLst>
-          </p:cNvPr>
-          <p:cNvPicPr>
-            <a:picLocks noChangeAspect="1"/>
-          </p:cNvPicPr>
+      <p:sp>
+        <p:nvSpPr>
+          <p:cNvPr id="5" name="TextBox 4">
+            <a:extLst>
+              <a:ext uri="{FF2B5EF4-FFF2-40B4-BE49-F238E27FC236}">
+                <a16:creationId xmlns:a16="http://schemas.microsoft.com/office/drawing/2014/main" id="{FD2B2BCC-A8CA-4CD9-85D8-7CC60329F8A6}"/>
+              </a:ext>
+            </a:extLst>
+          </p:cNvPr>
+          <p:cNvSpPr txBox="1"/>
           <p:nvPr/>
-        </p:nvPicPr>
-        <p:blipFill>
-          <a:blip r:embed="rId4"/>
-          <a:stretch>
-            <a:fillRect/>
-          </a:stretch>
-        </p:blipFill>
-        <p:spPr>
-          <a:xfrm>
-            <a:off x="2701953" y="1952542"/>
-            <a:ext cx="2417732" cy="1843221"/>
+        </p:nvSpPr>
+        <p:spPr>
+          <a:xfrm>
+            <a:off x="6330462" y="3123028"/>
+            <a:ext cx="5275384" cy="923330"/>
           </a:xfrm>
           <a:prstGeom prst="rect">
             <a:avLst/>
           </a:prstGeom>
-        </p:spPr>
-      </p:pic>
-      <p:pic>
-        <p:nvPicPr>
-          <p:cNvPr id="9" name="Рисунок 8">
-            <a:extLst>
-              <a:ext uri="{FF2B5EF4-FFF2-40B4-BE49-F238E27FC236}">
-                <a16:creationId xmlns:a16="http://schemas.microsoft.com/office/drawing/2014/main" id="{FE7AB68D-D48B-4DD9-A7B1-2FBE08FDFACF}"/>
-              </a:ext>
-            </a:extLst>
-          </p:cNvPr>
-          <p:cNvPicPr>
-            <a:picLocks noChangeAspect="1"/>
-          </p:cNvPicPr>
-          <p:nvPr/>
-        </p:nvPicPr>
-        <p:blipFill>
-          <a:blip r:embed="rId5"/>
-          <a:stretch>
-            <a:fillRect/>
-          </a:stretch>
-        </p:blipFill>
-        <p:spPr>
-          <a:xfrm>
-            <a:off x="442700" y="3841975"/>
-            <a:ext cx="2259253" cy="732731"/>
-          </a:xfrm>
-          <a:prstGeom prst="rect">
-            <a:avLst/>
-          </a:prstGeom>
-        </p:spPr>
-      </p:pic>
-      <p:pic>
-        <p:nvPicPr>
-          <p:cNvPr id="11" name="Рисунок 10">
-            <a:extLst>
-              <a:ext uri="{FF2B5EF4-FFF2-40B4-BE49-F238E27FC236}">
-                <a16:creationId xmlns:a16="http://schemas.microsoft.com/office/drawing/2014/main" id="{DC0BF0CE-6662-4837-81E8-6CB1757E02B2}"/>
-              </a:ext>
-            </a:extLst>
-          </p:cNvPr>
-          <p:cNvPicPr>
-            <a:picLocks noChangeAspect="1"/>
-          </p:cNvPicPr>
-          <p:nvPr/>
-        </p:nvPicPr>
-        <p:blipFill>
-          <a:blip r:embed="rId6"/>
-          <a:stretch>
-            <a:fillRect/>
-          </a:stretch>
-        </p:blipFill>
-        <p:spPr>
-          <a:xfrm>
-            <a:off x="2270205" y="3573817"/>
-            <a:ext cx="2307606" cy="1485092"/>
-          </a:xfrm>
-          <a:prstGeom prst="rect">
-            <a:avLst/>
-          </a:prstGeom>
-        </p:spPr>
-      </p:pic>
-      <p:pic>
-        <p:nvPicPr>
-          <p:cNvPr id="13" name="Рисунок 12">
-            <a:extLst>
-              <a:ext uri="{FF2B5EF4-FFF2-40B4-BE49-F238E27FC236}">
-                <a16:creationId xmlns:a16="http://schemas.microsoft.com/office/drawing/2014/main" id="{05A63D5F-364B-48D3-90CA-33CEFDACDA61}"/>
-              </a:ext>
-            </a:extLst>
-          </p:cNvPr>
-          <p:cNvPicPr>
-            <a:picLocks noChangeAspect="1"/>
-          </p:cNvPicPr>
-          <p:nvPr/>
-        </p:nvPicPr>
-        <p:blipFill>
-          <a:blip r:embed="rId7"/>
-          <a:stretch>
-            <a:fillRect/>
-          </a:stretch>
-        </p:blipFill>
-        <p:spPr>
-          <a:xfrm>
-            <a:off x="4205712" y="3841975"/>
-            <a:ext cx="1890288" cy="815810"/>
-          </a:xfrm>
-          <a:prstGeom prst="rect">
-            <a:avLst/>
-          </a:prstGeom>
-        </p:spPr>
-      </p:pic>
+          <a:noFill/>
+        </p:spPr>
+        <p:txBody>
+          <a:bodyPr wrap="square" rtlCol="0">
+            <a:spAutoFit/>
+          </a:bodyPr>
+          <a:lstStyle/>
+          <a:p>
+            <a:r>
+              <a:rPr lang="ru-RU" dirty="0"/>
+              <a:t>Прописываем условие при котором </a:t>
+            </a:r>
+            <a:r>
+              <a:rPr lang="en-US" dirty="0"/>
+              <a:t>eq = 0  </a:t>
+            </a:r>
+            <a:r>
+              <a:rPr lang="ru-RU" dirty="0"/>
+              <a:t>выводиться на экран и </a:t>
+            </a:r>
+            <a:r>
+              <a:rPr lang="ru-RU" dirty="0" err="1"/>
+              <a:t>нри</a:t>
+            </a:r>
+            <a:r>
+              <a:rPr lang="ru-RU" dirty="0"/>
+              <a:t> нажатие </a:t>
+            </a:r>
+            <a:r>
+              <a:rPr lang="en-US" dirty="0"/>
+              <a:t>“</a:t>
+            </a:r>
+            <a:r>
+              <a:rPr lang="ru-RU" dirty="0"/>
+              <a:t>С</a:t>
+            </a:r>
+            <a:r>
+              <a:rPr lang="en-US" dirty="0"/>
+              <a:t>” </a:t>
+            </a:r>
+            <a:r>
+              <a:rPr lang="ru-RU" dirty="0"/>
+              <a:t>выведенные цифры </a:t>
+            </a:r>
+            <a:r>
+              <a:rPr lang="ru-RU" dirty="0" err="1"/>
+              <a:t>удаляються</a:t>
+            </a:r>
+            <a:endParaRPr lang="ru-RU" dirty="0"/>
+          </a:p>
+        </p:txBody>
+      </p:sp>
     </p:spTree>
     <p:extLst>
       <p:ext uri="{BB962C8B-B14F-4D97-AF65-F5344CB8AC3E}">
-        <p14:creationId xmlns:p14="http://schemas.microsoft.com/office/powerpoint/2010/main" val="728894527"/>
+        <p14:creationId xmlns:p14="http://schemas.microsoft.com/office/powerpoint/2010/main" val="4010864378"/>
+      </p:ext>
+    </p:extLst>
+  </p:cSld>
+  <p:clrMapOvr>
+    <a:masterClrMapping/>
+  </p:clrMapOvr>
+</p:sld>
+</file>
+
+<file path=ppt/slides/slide2.xml><?xml version="1.0" encoding="utf-8"?>
+<p:sld xmlns:a="http://schemas.openxmlformats.org/drawingml/2006/main" xmlns:r="http://schemas.openxmlformats.org/officeDocument/2006/relationships" xmlns:p="http://schemas.openxmlformats.org/presentationml/2006/main">
+  <p:cSld>
+    <p:spTree>
+      <p:nvGrpSpPr>
+        <p:cNvPr id="1" name=""/>
+        <p:cNvGrpSpPr/>
+        <p:nvPr/>
+      </p:nvGrpSpPr>
+      <p:grpSpPr>
+        <a:xfrm>
+          <a:off x="0" y="0"/>
+          <a:ext cx="0" cy="0"/>
+          <a:chOff x="0" y="0"/>
+          <a:chExt cx="0" cy="0"/>
+        </a:xfrm>
+      </p:grpSpPr>
+    </p:spTree>
+    <p:extLst>
+      <p:ext uri="{BB962C8B-B14F-4D97-AF65-F5344CB8AC3E}">
+        <p14:creationId xmlns:p14="http://schemas.microsoft.com/office/powerpoint/2010/main" val="3470229536"/>
       </p:ext>
     </p:extLst>
   </p:cSld>
@@ -3624,383 +3646,10 @@
           <a:chExt cx="0" cy="0"/>
         </a:xfrm>
       </p:grpSpPr>
-      <p:pic>
-        <p:nvPicPr>
-          <p:cNvPr id="3" name="Рисунок 2">
-            <a:extLst>
-              <a:ext uri="{FF2B5EF4-FFF2-40B4-BE49-F238E27FC236}">
-                <a16:creationId xmlns:a16="http://schemas.microsoft.com/office/drawing/2014/main" id="{AF726DE3-18CC-487D-88A0-D9638EA5A25C}"/>
-              </a:ext>
-            </a:extLst>
-          </p:cNvPr>
-          <p:cNvPicPr>
-            <a:picLocks noChangeAspect="1"/>
-          </p:cNvPicPr>
-          <p:nvPr/>
-        </p:nvPicPr>
-        <p:blipFill>
-          <a:blip r:embed="rId2">
-            <a:extLst>
-              <a:ext uri="{28A0092B-C50C-407E-A947-70E740481C1C}">
-                <a14:useLocalDpi xmlns:a14="http://schemas.microsoft.com/office/drawing/2010/main" val="0"/>
-              </a:ext>
-            </a:extLst>
-          </a:blip>
-          <a:stretch>
-            <a:fillRect/>
-          </a:stretch>
-        </p:blipFill>
-        <p:spPr>
-          <a:xfrm>
-            <a:off x="4281404" y="4452973"/>
-            <a:ext cx="7795918" cy="2405027"/>
-          </a:xfrm>
-          <a:prstGeom prst="rect">
-            <a:avLst/>
-          </a:prstGeom>
-        </p:spPr>
-      </p:pic>
-      <p:sp>
-        <p:nvSpPr>
-          <p:cNvPr id="5" name="TextBox 4">
-            <a:extLst>
-              <a:ext uri="{FF2B5EF4-FFF2-40B4-BE49-F238E27FC236}">
-                <a16:creationId xmlns:a16="http://schemas.microsoft.com/office/drawing/2014/main" id="{76E879D2-6225-4770-94F2-3625A2A68CC8}"/>
-              </a:ext>
-            </a:extLst>
-          </p:cNvPr>
-          <p:cNvSpPr txBox="1"/>
-          <p:nvPr/>
-        </p:nvSpPr>
-        <p:spPr>
-          <a:xfrm>
-            <a:off x="661182" y="618978"/>
-            <a:ext cx="10311618" cy="646331"/>
-          </a:xfrm>
-          <a:prstGeom prst="rect">
-            <a:avLst/>
-          </a:prstGeom>
-          <a:noFill/>
-        </p:spPr>
-        <p:txBody>
-          <a:bodyPr wrap="square" rtlCol="0">
-            <a:spAutoFit/>
-          </a:bodyPr>
-          <a:lstStyle/>
-          <a:p>
-            <a:r>
-              <a:rPr lang="ru-RU" dirty="0"/>
-              <a:t>Открываю </a:t>
-            </a:r>
-            <a:r>
-              <a:rPr lang="ru-RU" dirty="0" err="1"/>
-              <a:t>фаил</a:t>
-            </a:r>
-            <a:r>
-              <a:rPr lang="ru-RU" dirty="0"/>
-              <a:t> </a:t>
-            </a:r>
-            <a:r>
-              <a:rPr lang="en-US" dirty="0"/>
-              <a:t>index</a:t>
-            </a:r>
-            <a:endParaRPr lang="ru-RU" dirty="0"/>
-          </a:p>
-          <a:p>
-            <a:r>
-              <a:rPr lang="ru-RU" dirty="0"/>
-              <a:t>И нажимаю на </a:t>
-            </a:r>
-            <a:r>
-              <a:rPr lang="en-US" dirty="0"/>
-              <a:t>“ !” </a:t>
-            </a:r>
-            <a:r>
-              <a:rPr lang="ru-RU" dirty="0"/>
-              <a:t>для создания макета</a:t>
-            </a:r>
-          </a:p>
-        </p:txBody>
-      </p:sp>
-      <p:pic>
-        <p:nvPicPr>
-          <p:cNvPr id="7" name="Рисунок 6">
-            <a:extLst>
-              <a:ext uri="{FF2B5EF4-FFF2-40B4-BE49-F238E27FC236}">
-                <a16:creationId xmlns:a16="http://schemas.microsoft.com/office/drawing/2014/main" id="{EA04E8C7-25AF-4ED0-A9F2-5D449A3D7272}"/>
-              </a:ext>
-            </a:extLst>
-          </p:cNvPr>
-          <p:cNvPicPr>
-            <a:picLocks noChangeAspect="1"/>
-          </p:cNvPicPr>
-          <p:nvPr/>
-        </p:nvPicPr>
-        <p:blipFill>
-          <a:blip r:embed="rId3"/>
-          <a:stretch>
-            <a:fillRect/>
-          </a:stretch>
-        </p:blipFill>
-        <p:spPr>
-          <a:xfrm>
-            <a:off x="5317588" y="227542"/>
-            <a:ext cx="6044031" cy="2075534"/>
-          </a:xfrm>
-          <a:prstGeom prst="rect">
-            <a:avLst/>
-          </a:prstGeom>
-        </p:spPr>
-      </p:pic>
-      <p:pic>
-        <p:nvPicPr>
-          <p:cNvPr id="9" name="Рисунок 8">
-            <a:extLst>
-              <a:ext uri="{FF2B5EF4-FFF2-40B4-BE49-F238E27FC236}">
-                <a16:creationId xmlns:a16="http://schemas.microsoft.com/office/drawing/2014/main" id="{04B16F0F-6156-4CC7-A609-7A5CFF6633C1}"/>
-              </a:ext>
-            </a:extLst>
-          </p:cNvPr>
-          <p:cNvPicPr>
-            <a:picLocks noChangeAspect="1"/>
-          </p:cNvPicPr>
-          <p:nvPr/>
-        </p:nvPicPr>
-        <p:blipFill>
-          <a:blip r:embed="rId4"/>
-          <a:stretch>
-            <a:fillRect/>
-          </a:stretch>
-        </p:blipFill>
-        <p:spPr>
-          <a:xfrm>
-            <a:off x="218743" y="2391233"/>
-            <a:ext cx="6858957" cy="495369"/>
-          </a:xfrm>
-          <a:prstGeom prst="rect">
-            <a:avLst/>
-          </a:prstGeom>
-        </p:spPr>
-      </p:pic>
-      <p:sp>
-        <p:nvSpPr>
-          <p:cNvPr id="10" name="TextBox 9">
-            <a:extLst>
-              <a:ext uri="{FF2B5EF4-FFF2-40B4-BE49-F238E27FC236}">
-                <a16:creationId xmlns:a16="http://schemas.microsoft.com/office/drawing/2014/main" id="{E50ED5F5-8BDF-4048-915B-E14BA66D464B}"/>
-              </a:ext>
-            </a:extLst>
-          </p:cNvPr>
-          <p:cNvSpPr txBox="1"/>
-          <p:nvPr/>
-        </p:nvSpPr>
-        <p:spPr>
-          <a:xfrm>
-            <a:off x="7287065" y="2598159"/>
-            <a:ext cx="3291840" cy="369332"/>
-          </a:xfrm>
-          <a:prstGeom prst="rect">
-            <a:avLst/>
-          </a:prstGeom>
-          <a:noFill/>
-        </p:spPr>
-        <p:txBody>
-          <a:bodyPr wrap="square" rtlCol="0">
-            <a:spAutoFit/>
-          </a:bodyPr>
-          <a:lstStyle/>
-          <a:p>
-            <a:r>
-              <a:rPr lang="ru-RU" dirty="0"/>
-              <a:t>Тут я </a:t>
-            </a:r>
-            <a:r>
-              <a:rPr lang="ru-RU" dirty="0" err="1"/>
-              <a:t>добовляю</a:t>
-            </a:r>
-            <a:r>
-              <a:rPr lang="ru-RU" dirty="0"/>
-              <a:t> вид шрифта</a:t>
-            </a:r>
-          </a:p>
-        </p:txBody>
-      </p:sp>
-      <p:pic>
-        <p:nvPicPr>
-          <p:cNvPr id="12" name="Рисунок 11">
-            <a:extLst>
-              <a:ext uri="{FF2B5EF4-FFF2-40B4-BE49-F238E27FC236}">
-                <a16:creationId xmlns:a16="http://schemas.microsoft.com/office/drawing/2014/main" id="{7872DD37-519B-4FA4-A324-D755BD9F1D5C}"/>
-              </a:ext>
-            </a:extLst>
-          </p:cNvPr>
-          <p:cNvPicPr>
-            <a:picLocks noChangeAspect="1"/>
-          </p:cNvPicPr>
-          <p:nvPr/>
-        </p:nvPicPr>
-        <p:blipFill>
-          <a:blip r:embed="rId5"/>
-          <a:stretch>
-            <a:fillRect/>
-          </a:stretch>
-        </p:blipFill>
-        <p:spPr>
-          <a:xfrm>
-            <a:off x="218743" y="3086052"/>
-            <a:ext cx="5258534" cy="342948"/>
-          </a:xfrm>
-          <a:prstGeom prst="rect">
-            <a:avLst/>
-          </a:prstGeom>
-        </p:spPr>
-      </p:pic>
-      <p:sp>
-        <p:nvSpPr>
-          <p:cNvPr id="13" name="TextBox 12">
-            <a:extLst>
-              <a:ext uri="{FF2B5EF4-FFF2-40B4-BE49-F238E27FC236}">
-                <a16:creationId xmlns:a16="http://schemas.microsoft.com/office/drawing/2014/main" id="{D87B3CA9-A12A-4DB5-8406-7BC652D761DA}"/>
-              </a:ext>
-            </a:extLst>
-          </p:cNvPr>
-          <p:cNvSpPr txBox="1"/>
-          <p:nvPr/>
-        </p:nvSpPr>
-        <p:spPr>
-          <a:xfrm>
-            <a:off x="5767754" y="2974759"/>
-            <a:ext cx="5258534" cy="369332"/>
-          </a:xfrm>
-          <a:prstGeom prst="rect">
-            <a:avLst/>
-          </a:prstGeom>
-          <a:noFill/>
-        </p:spPr>
-        <p:txBody>
-          <a:bodyPr wrap="square" rtlCol="0">
-            <a:spAutoFit/>
-          </a:bodyPr>
-          <a:lstStyle/>
-          <a:p>
-            <a:r>
-              <a:rPr lang="ru-RU" dirty="0"/>
-              <a:t>Привязываю стиль и в </a:t>
-            </a:r>
-            <a:r>
-              <a:rPr lang="en-US" dirty="0"/>
-              <a:t>&lt;title&gt;  </a:t>
-            </a:r>
-            <a:r>
-              <a:rPr lang="ru-RU" dirty="0"/>
-              <a:t>называю имя </a:t>
-            </a:r>
-            <a:r>
-              <a:rPr lang="ru-RU" dirty="0" err="1"/>
-              <a:t>саита</a:t>
-            </a:r>
-            <a:endParaRPr lang="ru-RU" dirty="0"/>
-          </a:p>
-        </p:txBody>
-      </p:sp>
-      <p:pic>
-        <p:nvPicPr>
-          <p:cNvPr id="15" name="Рисунок 14">
-            <a:extLst>
-              <a:ext uri="{FF2B5EF4-FFF2-40B4-BE49-F238E27FC236}">
-                <a16:creationId xmlns:a16="http://schemas.microsoft.com/office/drawing/2014/main" id="{F8C595CE-0ED9-4BAB-9DF2-AE0E2C7A555C}"/>
-              </a:ext>
-            </a:extLst>
-          </p:cNvPr>
-          <p:cNvPicPr>
-            <a:picLocks noChangeAspect="1"/>
-          </p:cNvPicPr>
-          <p:nvPr/>
-        </p:nvPicPr>
-        <p:blipFill>
-          <a:blip r:embed="rId6"/>
-          <a:stretch>
-            <a:fillRect/>
-          </a:stretch>
-        </p:blipFill>
-        <p:spPr>
-          <a:xfrm>
-            <a:off x="218743" y="4061600"/>
-            <a:ext cx="1848108" cy="476316"/>
-          </a:xfrm>
-          <a:prstGeom prst="rect">
-            <a:avLst/>
-          </a:prstGeom>
-        </p:spPr>
-      </p:pic>
-      <p:sp>
-        <p:nvSpPr>
-          <p:cNvPr id="16" name="TextBox 15">
-            <a:extLst>
-              <a:ext uri="{FF2B5EF4-FFF2-40B4-BE49-F238E27FC236}">
-                <a16:creationId xmlns:a16="http://schemas.microsoft.com/office/drawing/2014/main" id="{00381B6A-9512-45F7-BA4C-885412604332}"/>
-              </a:ext>
-            </a:extLst>
-          </p:cNvPr>
-          <p:cNvSpPr txBox="1"/>
-          <p:nvPr/>
-        </p:nvSpPr>
-        <p:spPr>
-          <a:xfrm>
-            <a:off x="218743" y="3560634"/>
-            <a:ext cx="4578340" cy="369332"/>
-          </a:xfrm>
-          <a:prstGeom prst="rect">
-            <a:avLst/>
-          </a:prstGeom>
-          <a:noFill/>
-        </p:spPr>
-        <p:txBody>
-          <a:bodyPr wrap="square" rtlCol="0">
-            <a:spAutoFit/>
-          </a:bodyPr>
-          <a:lstStyle/>
-          <a:p>
-            <a:r>
-              <a:rPr lang="ru-RU" dirty="0"/>
-              <a:t>Для </a:t>
-            </a:r>
-            <a:r>
-              <a:rPr lang="ru-RU" dirty="0" err="1"/>
-              <a:t>создаия</a:t>
-            </a:r>
-            <a:r>
-              <a:rPr lang="ru-RU" dirty="0"/>
-              <a:t> класса </a:t>
-            </a:r>
-            <a:r>
-              <a:rPr lang="ru-RU" dirty="0" err="1"/>
-              <a:t>испольюеться</a:t>
-            </a:r>
-            <a:r>
-              <a:rPr lang="ru-RU" dirty="0"/>
-              <a:t> символ </a:t>
-            </a:r>
-            <a:r>
-              <a:rPr lang="en-US" dirty="0"/>
-              <a:t>“</a:t>
-            </a:r>
-            <a:r>
-              <a:rPr lang="ru-RU" dirty="0"/>
-              <a:t>.</a:t>
-            </a:r>
-            <a:r>
-              <a:rPr lang="en-US" dirty="0"/>
-              <a:t>”</a:t>
-            </a:r>
-            <a:endParaRPr lang="ru-RU" dirty="0"/>
-          </a:p>
-        </p:txBody>
-      </p:sp>
     </p:spTree>
     <p:extLst>
       <p:ext uri="{BB962C8B-B14F-4D97-AF65-F5344CB8AC3E}">
-        <p14:creationId xmlns:p14="http://schemas.microsoft.com/office/powerpoint/2010/main" val="764828413"/>
+        <p14:creationId xmlns:p14="http://schemas.microsoft.com/office/powerpoint/2010/main" val="3646502430"/>
       </p:ext>
     </p:extLst>
   </p:cSld>
@@ -4032,7 +3681,7 @@
           <p:cNvPr id="3" name="Рисунок 2">
             <a:extLst>
               <a:ext uri="{FF2B5EF4-FFF2-40B4-BE49-F238E27FC236}">
-                <a16:creationId xmlns:a16="http://schemas.microsoft.com/office/drawing/2014/main" id="{966CED3E-BB2C-4331-9E77-C975F76770DA}"/>
+                <a16:creationId xmlns:a16="http://schemas.microsoft.com/office/drawing/2014/main" id="{591610AD-6CCC-4B00-A671-2069D81908C7}"/>
               </a:ext>
             </a:extLst>
           </p:cNvPr>
@@ -4049,55 +3698,20 @@
         </p:blipFill>
         <p:spPr>
           <a:xfrm>
-            <a:off x="318348" y="381622"/>
-            <a:ext cx="4296375" cy="523948"/>
+            <a:off x="1213729" y="263465"/>
+            <a:ext cx="1388796" cy="1689077"/>
           </a:xfrm>
           <a:prstGeom prst="rect">
             <a:avLst/>
           </a:prstGeom>
         </p:spPr>
       </p:pic>
-      <p:sp>
-        <p:nvSpPr>
-          <p:cNvPr id="12" name="TextBox 11">
-            <a:extLst>
-              <a:ext uri="{FF2B5EF4-FFF2-40B4-BE49-F238E27FC236}">
-                <a16:creationId xmlns:a16="http://schemas.microsoft.com/office/drawing/2014/main" id="{43203A11-07C1-470F-B5C2-831A3AF29E72}"/>
-              </a:ext>
-            </a:extLst>
-          </p:cNvPr>
-          <p:cNvSpPr txBox="1"/>
-          <p:nvPr/>
-        </p:nvSpPr>
-        <p:spPr>
-          <a:xfrm>
-            <a:off x="8932986" y="381622"/>
-            <a:ext cx="1617784" cy="369332"/>
-          </a:xfrm>
-          <a:prstGeom prst="rect">
-            <a:avLst/>
-          </a:prstGeom>
-          <a:noFill/>
-        </p:spPr>
-        <p:txBody>
-          <a:bodyPr wrap="square" rtlCol="0">
-            <a:spAutoFit/>
-          </a:bodyPr>
-          <a:lstStyle/>
-          <a:p>
-            <a:r>
-              <a:rPr lang="ru-RU" dirty="0"/>
-              <a:t>Тут класс цифр</a:t>
-            </a:r>
-          </a:p>
-        </p:txBody>
-      </p:sp>
       <p:pic>
         <p:nvPicPr>
-          <p:cNvPr id="14" name="Рисунок 13">
-            <a:extLst>
-              <a:ext uri="{FF2B5EF4-FFF2-40B4-BE49-F238E27FC236}">
-                <a16:creationId xmlns:a16="http://schemas.microsoft.com/office/drawing/2014/main" id="{3CD9BC0C-5C4C-44A1-863D-AC727533F853}"/>
+          <p:cNvPr id="5" name="Рисунок 4">
+            <a:extLst>
+              <a:ext uri="{FF2B5EF4-FFF2-40B4-BE49-F238E27FC236}">
+                <a16:creationId xmlns:a16="http://schemas.microsoft.com/office/drawing/2014/main" id="{74A6CCE0-CB85-4BFF-A751-B33EE24DCE66}"/>
               </a:ext>
             </a:extLst>
           </p:cNvPr>
@@ -4114,8 +3728,8 @@
         </p:blipFill>
         <p:spPr>
           <a:xfrm>
-            <a:off x="6672776" y="1436699"/>
-            <a:ext cx="2488188" cy="2851371"/>
+            <a:off x="0" y="2466714"/>
+            <a:ext cx="4146063" cy="1568199"/>
           </a:xfrm>
           <a:prstGeom prst="rect">
             <a:avLst/>
@@ -4124,10 +3738,10 @@
       </p:pic>
       <p:pic>
         <p:nvPicPr>
-          <p:cNvPr id="16" name="Рисунок 15">
-            <a:extLst>
-              <a:ext uri="{FF2B5EF4-FFF2-40B4-BE49-F238E27FC236}">
-                <a16:creationId xmlns:a16="http://schemas.microsoft.com/office/drawing/2014/main" id="{D9CB869F-AD96-47DF-81AE-E8191A499DBD}"/>
+          <p:cNvPr id="7" name="Рисунок 6">
+            <a:extLst>
+              <a:ext uri="{FF2B5EF4-FFF2-40B4-BE49-F238E27FC236}">
+                <a16:creationId xmlns:a16="http://schemas.microsoft.com/office/drawing/2014/main" id="{F57AB463-3335-482A-BF9D-08DA00BF5E19}"/>
               </a:ext>
             </a:extLst>
           </p:cNvPr>
@@ -4144,8 +3758,8 @@
         </p:blipFill>
         <p:spPr>
           <a:xfrm>
-            <a:off x="318348" y="1104576"/>
-            <a:ext cx="4296375" cy="2324424"/>
+            <a:off x="2701953" y="1952542"/>
+            <a:ext cx="2417732" cy="1843221"/>
           </a:xfrm>
           <a:prstGeom prst="rect">
             <a:avLst/>
@@ -4154,10 +3768,10 @@
       </p:pic>
       <p:pic>
         <p:nvPicPr>
-          <p:cNvPr id="4" name="Рисунок 3">
-            <a:extLst>
-              <a:ext uri="{FF2B5EF4-FFF2-40B4-BE49-F238E27FC236}">
-                <a16:creationId xmlns:a16="http://schemas.microsoft.com/office/drawing/2014/main" id="{D8552ADB-48FD-43C4-9FF5-8DEA2B7E6389}"/>
+          <p:cNvPr id="9" name="Рисунок 8">
+            <a:extLst>
+              <a:ext uri="{FF2B5EF4-FFF2-40B4-BE49-F238E27FC236}">
+                <a16:creationId xmlns:a16="http://schemas.microsoft.com/office/drawing/2014/main" id="{FE7AB68D-D48B-4DD9-A7B1-2FBE08FDFACF}"/>
               </a:ext>
             </a:extLst>
           </p:cNvPr>
@@ -4174,55 +3788,20 @@
         </p:blipFill>
         <p:spPr>
           <a:xfrm>
-            <a:off x="318348" y="3898102"/>
-            <a:ext cx="3134162" cy="581106"/>
+            <a:off x="442700" y="3841975"/>
+            <a:ext cx="2259253" cy="732731"/>
           </a:xfrm>
           <a:prstGeom prst="rect">
             <a:avLst/>
           </a:prstGeom>
         </p:spPr>
       </p:pic>
-      <p:sp>
-        <p:nvSpPr>
-          <p:cNvPr id="5" name="TextBox 4">
-            <a:extLst>
-              <a:ext uri="{FF2B5EF4-FFF2-40B4-BE49-F238E27FC236}">
-                <a16:creationId xmlns:a16="http://schemas.microsoft.com/office/drawing/2014/main" id="{BA796771-0BA7-4DC5-8996-A263183F0DAC}"/>
-              </a:ext>
-            </a:extLst>
-          </p:cNvPr>
-          <p:cNvSpPr txBox="1"/>
-          <p:nvPr/>
-        </p:nvSpPr>
-        <p:spPr>
-          <a:xfrm>
-            <a:off x="318348" y="4740812"/>
-            <a:ext cx="3297049" cy="369332"/>
-          </a:xfrm>
-          <a:prstGeom prst="rect">
-            <a:avLst/>
-          </a:prstGeom>
-          <a:noFill/>
-        </p:spPr>
-        <p:txBody>
-          <a:bodyPr wrap="square" rtlCol="0">
-            <a:spAutoFit/>
-          </a:bodyPr>
-          <a:lstStyle/>
-          <a:p>
-            <a:r>
-              <a:rPr lang="ru-RU" dirty="0"/>
-              <a:t>Привязываем картинку</a:t>
-            </a:r>
-          </a:p>
-        </p:txBody>
-      </p:sp>
       <p:pic>
         <p:nvPicPr>
-          <p:cNvPr id="7" name="Рисунок 6">
-            <a:extLst>
-              <a:ext uri="{FF2B5EF4-FFF2-40B4-BE49-F238E27FC236}">
-                <a16:creationId xmlns:a16="http://schemas.microsoft.com/office/drawing/2014/main" id="{C32EB7C1-3462-4AD9-9A4E-A9355FFB2583}"/>
+          <p:cNvPr id="11" name="Рисунок 10">
+            <a:extLst>
+              <a:ext uri="{FF2B5EF4-FFF2-40B4-BE49-F238E27FC236}">
+                <a16:creationId xmlns:a16="http://schemas.microsoft.com/office/drawing/2014/main" id="{DC0BF0CE-6662-4837-81E8-6CB1757E02B2}"/>
               </a:ext>
             </a:extLst>
           </p:cNvPr>
@@ -4239,8 +3818,8 @@
         </p:blipFill>
         <p:spPr>
           <a:xfrm>
-            <a:off x="3061930" y="4735100"/>
-            <a:ext cx="390580" cy="371527"/>
+            <a:off x="2270205" y="3573817"/>
+            <a:ext cx="2307606" cy="1485092"/>
           </a:xfrm>
           <a:prstGeom prst="rect">
             <a:avLst/>
@@ -4249,10 +3828,10 @@
       </p:pic>
       <p:pic>
         <p:nvPicPr>
-          <p:cNvPr id="9" name="Рисунок 8">
-            <a:extLst>
-              <a:ext uri="{FF2B5EF4-FFF2-40B4-BE49-F238E27FC236}">
-                <a16:creationId xmlns:a16="http://schemas.microsoft.com/office/drawing/2014/main" id="{F7596F39-52DE-4115-82A0-8319402245C9}"/>
+          <p:cNvPr id="13" name="Рисунок 12">
+            <a:extLst>
+              <a:ext uri="{FF2B5EF4-FFF2-40B4-BE49-F238E27FC236}">
+                <a16:creationId xmlns:a16="http://schemas.microsoft.com/office/drawing/2014/main" id="{05A63D5F-364B-48D3-90CA-33CEFDACDA61}"/>
               </a:ext>
             </a:extLst>
           </p:cNvPr>
@@ -4269,108 +3848,8 @@
         </p:blipFill>
         <p:spPr>
           <a:xfrm>
-            <a:off x="434013" y="5064562"/>
-            <a:ext cx="1561514" cy="608726"/>
-          </a:xfrm>
-          <a:prstGeom prst="rect">
-            <a:avLst/>
-          </a:prstGeom>
-        </p:spPr>
-      </p:pic>
-      <p:pic>
-        <p:nvPicPr>
-          <p:cNvPr id="11" name="Рисунок 10">
-            <a:extLst>
-              <a:ext uri="{FF2B5EF4-FFF2-40B4-BE49-F238E27FC236}">
-                <a16:creationId xmlns:a16="http://schemas.microsoft.com/office/drawing/2014/main" id="{C6BE38B9-0870-4EA3-A5D7-8BA4B0E54AD0}"/>
-              </a:ext>
-            </a:extLst>
-          </p:cNvPr>
-          <p:cNvPicPr>
-            <a:picLocks noChangeAspect="1"/>
-          </p:cNvPicPr>
-          <p:nvPr/>
-        </p:nvPicPr>
-        <p:blipFill>
-          <a:blip r:embed="rId8"/>
-          <a:stretch>
-            <a:fillRect/>
-          </a:stretch>
-        </p:blipFill>
-        <p:spPr>
-          <a:xfrm>
-            <a:off x="3820158" y="4920863"/>
-            <a:ext cx="3362794" cy="552527"/>
-          </a:xfrm>
-          <a:prstGeom prst="rect">
-            <a:avLst/>
-          </a:prstGeom>
-        </p:spPr>
-      </p:pic>
-      <p:sp>
-        <p:nvSpPr>
-          <p:cNvPr id="13" name="TextBox 12">
-            <a:extLst>
-              <a:ext uri="{FF2B5EF4-FFF2-40B4-BE49-F238E27FC236}">
-                <a16:creationId xmlns:a16="http://schemas.microsoft.com/office/drawing/2014/main" id="{F15215FA-983C-4A01-B1A4-86701027F55A}"/>
-              </a:ext>
-            </a:extLst>
-          </p:cNvPr>
-          <p:cNvSpPr txBox="1"/>
-          <p:nvPr/>
-        </p:nvSpPr>
-        <p:spPr>
-          <a:xfrm>
-            <a:off x="3854548" y="5753424"/>
-            <a:ext cx="3938954" cy="369332"/>
-          </a:xfrm>
-          <a:prstGeom prst="rect">
-            <a:avLst/>
-          </a:prstGeom>
-          <a:noFill/>
-        </p:spPr>
-        <p:txBody>
-          <a:bodyPr wrap="square" rtlCol="0">
-            <a:spAutoFit/>
-          </a:bodyPr>
-          <a:lstStyle/>
-          <a:p>
-            <a:r>
-              <a:rPr lang="ru-RU" dirty="0"/>
-              <a:t>Привязываем еще один </a:t>
-            </a:r>
-            <a:r>
-              <a:rPr lang="ru-RU" dirty="0" err="1"/>
-              <a:t>фаил</a:t>
-            </a:r>
-            <a:endParaRPr lang="ru-RU" dirty="0"/>
-          </a:p>
-        </p:txBody>
-      </p:sp>
-      <p:pic>
-        <p:nvPicPr>
-          <p:cNvPr id="17" name="Рисунок 16">
-            <a:extLst>
-              <a:ext uri="{FF2B5EF4-FFF2-40B4-BE49-F238E27FC236}">
-                <a16:creationId xmlns:a16="http://schemas.microsoft.com/office/drawing/2014/main" id="{36EA0F72-D4DF-4EAD-8734-5C707DB83C6F}"/>
-              </a:ext>
-            </a:extLst>
-          </p:cNvPr>
-          <p:cNvPicPr>
-            <a:picLocks noChangeAspect="1"/>
-          </p:cNvPicPr>
-          <p:nvPr/>
-        </p:nvPicPr>
-        <p:blipFill>
-          <a:blip r:embed="rId9"/>
-          <a:stretch>
-            <a:fillRect/>
-          </a:stretch>
-        </p:blipFill>
-        <p:spPr>
-          <a:xfrm>
-            <a:off x="6907079" y="5827440"/>
-            <a:ext cx="1009791" cy="295316"/>
+            <a:off x="4205712" y="3841975"/>
+            <a:ext cx="1890288" cy="815810"/>
           </a:xfrm>
           <a:prstGeom prst="rect">
             <a:avLst/>
@@ -4380,7 +3859,7 @@
     </p:spTree>
     <p:extLst>
       <p:ext uri="{BB962C8B-B14F-4D97-AF65-F5344CB8AC3E}">
-        <p14:creationId xmlns:p14="http://schemas.microsoft.com/office/powerpoint/2010/main" val="576820744"/>
+        <p14:creationId xmlns:p14="http://schemas.microsoft.com/office/powerpoint/2010/main" val="728894527"/>
       </p:ext>
     </p:extLst>
   </p:cSld>
@@ -4412,7 +3891,7 @@
           <p:cNvPr id="3" name="Рисунок 2">
             <a:extLst>
               <a:ext uri="{FF2B5EF4-FFF2-40B4-BE49-F238E27FC236}">
-                <a16:creationId xmlns:a16="http://schemas.microsoft.com/office/drawing/2014/main" id="{F81AFBDB-C0F4-4733-8118-4CEE8DDD27AE}"/>
+                <a16:creationId xmlns:a16="http://schemas.microsoft.com/office/drawing/2014/main" id="{AF726DE3-18CC-487D-88A0-D9638EA5A25C}"/>
               </a:ext>
             </a:extLst>
           </p:cNvPr>
@@ -4422,15 +3901,21 @@
           <p:nvPr/>
         </p:nvPicPr>
         <p:blipFill>
-          <a:blip r:embed="rId2"/>
+          <a:blip r:embed="rId2">
+            <a:extLst>
+              <a:ext uri="{28A0092B-C50C-407E-A947-70E740481C1C}">
+                <a14:useLocalDpi xmlns:a14="http://schemas.microsoft.com/office/drawing/2010/main" val="0"/>
+              </a:ext>
+            </a:extLst>
+          </a:blip>
           <a:stretch>
             <a:fillRect/>
           </a:stretch>
         </p:blipFill>
         <p:spPr>
           <a:xfrm>
-            <a:off x="461814" y="394465"/>
-            <a:ext cx="2124371" cy="1286054"/>
+            <a:off x="4281404" y="4452973"/>
+            <a:ext cx="7795918" cy="2405027"/>
           </a:xfrm>
           <a:prstGeom prst="rect">
             <a:avLst/>
@@ -4439,10 +3924,10 @@
       </p:pic>
       <p:sp>
         <p:nvSpPr>
-          <p:cNvPr id="4" name="TextBox 3">
-            <a:extLst>
-              <a:ext uri="{FF2B5EF4-FFF2-40B4-BE49-F238E27FC236}">
-                <a16:creationId xmlns:a16="http://schemas.microsoft.com/office/drawing/2014/main" id="{A11C0890-DBAD-4F0F-A195-4B185AF2156D}"/>
+          <p:cNvPr id="5" name="TextBox 4">
+            <a:extLst>
+              <a:ext uri="{FF2B5EF4-FFF2-40B4-BE49-F238E27FC236}">
+                <a16:creationId xmlns:a16="http://schemas.microsoft.com/office/drawing/2014/main" id="{76E879D2-6225-4770-94F2-3625A2A68CC8}"/>
               </a:ext>
             </a:extLst>
           </p:cNvPr>
@@ -4451,8 +3936,8 @@
         </p:nvSpPr>
         <p:spPr>
           <a:xfrm>
-            <a:off x="3066757" y="518719"/>
-            <a:ext cx="3882683" cy="369332"/>
+            <a:off x="661182" y="618978"/>
+            <a:ext cx="10311618" cy="646331"/>
           </a:xfrm>
           <a:prstGeom prst="rect">
             <a:avLst/>
@@ -4466,22 +3951,45 @@
           <a:lstStyle/>
           <a:p>
             <a:r>
+              <a:rPr lang="ru-RU" dirty="0"/>
+              <a:t>Открываю </a:t>
+            </a:r>
+            <a:r>
               <a:rPr lang="ru-RU" dirty="0" err="1"/>
-              <a:t>Тепрь</a:t>
+              <a:t>фаил</a:t>
             </a:r>
             <a:r>
               <a:rPr lang="ru-RU" dirty="0"/>
-              <a:t> придаем стиль</a:t>
+              <a:t> </a:t>
+            </a:r>
+            <a:r>
+              <a:rPr lang="en-US" dirty="0"/>
+              <a:t>index</a:t>
+            </a:r>
+            <a:endParaRPr lang="ru-RU" dirty="0"/>
+          </a:p>
+          <a:p>
+            <a:r>
+              <a:rPr lang="ru-RU" dirty="0"/>
+              <a:t>И нажимаю на </a:t>
+            </a:r>
+            <a:r>
+              <a:rPr lang="en-US" dirty="0"/>
+              <a:t>“ !” </a:t>
+            </a:r>
+            <a:r>
+              <a:rPr lang="ru-RU" dirty="0"/>
+              <a:t>для создания макета</a:t>
             </a:r>
           </a:p>
         </p:txBody>
       </p:sp>
       <p:pic>
         <p:nvPicPr>
-          <p:cNvPr id="6" name="Рисунок 5">
-            <a:extLst>
-              <a:ext uri="{FF2B5EF4-FFF2-40B4-BE49-F238E27FC236}">
-                <a16:creationId xmlns:a16="http://schemas.microsoft.com/office/drawing/2014/main" id="{DE20B042-C6ED-4D57-B42E-90D2A28E6908}"/>
+          <p:cNvPr id="7" name="Рисунок 6">
+            <a:extLst>
+              <a:ext uri="{FF2B5EF4-FFF2-40B4-BE49-F238E27FC236}">
+                <a16:creationId xmlns:a16="http://schemas.microsoft.com/office/drawing/2014/main" id="{EA04E8C7-25AF-4ED0-A9F2-5D449A3D7272}"/>
               </a:ext>
             </a:extLst>
           </p:cNvPr>
@@ -4498,55 +4006,20 @@
         </p:blipFill>
         <p:spPr>
           <a:xfrm>
-            <a:off x="377408" y="2053110"/>
-            <a:ext cx="2904296" cy="369332"/>
+            <a:off x="5317588" y="227542"/>
+            <a:ext cx="6044031" cy="2075534"/>
           </a:xfrm>
           <a:prstGeom prst="rect">
             <a:avLst/>
           </a:prstGeom>
         </p:spPr>
       </p:pic>
-      <p:sp>
-        <p:nvSpPr>
-          <p:cNvPr id="7" name="TextBox 6">
-            <a:extLst>
-              <a:ext uri="{FF2B5EF4-FFF2-40B4-BE49-F238E27FC236}">
-                <a16:creationId xmlns:a16="http://schemas.microsoft.com/office/drawing/2014/main" id="{F99C095A-FA5C-40F4-A8B6-4BCF7EDC5B90}"/>
-              </a:ext>
-            </a:extLst>
-          </p:cNvPr>
-          <p:cNvSpPr txBox="1"/>
-          <p:nvPr/>
-        </p:nvSpPr>
-        <p:spPr>
-          <a:xfrm>
-            <a:off x="3573194" y="2084044"/>
-            <a:ext cx="1434904" cy="369332"/>
-          </a:xfrm>
-          <a:prstGeom prst="rect">
-            <a:avLst/>
-          </a:prstGeom>
-          <a:noFill/>
-        </p:spPr>
-        <p:txBody>
-          <a:bodyPr wrap="square" rtlCol="0">
-            <a:spAutoFit/>
-          </a:bodyPr>
-          <a:lstStyle/>
-          <a:p>
-            <a:r>
-              <a:rPr lang="ru-RU" dirty="0"/>
-              <a:t>Цвет фона</a:t>
-            </a:r>
-          </a:p>
-        </p:txBody>
-      </p:sp>
       <p:pic>
         <p:nvPicPr>
           <p:cNvPr id="9" name="Рисунок 8">
             <a:extLst>
               <a:ext uri="{FF2B5EF4-FFF2-40B4-BE49-F238E27FC236}">
-                <a16:creationId xmlns:a16="http://schemas.microsoft.com/office/drawing/2014/main" id="{F5606D94-554B-4ADA-AE84-74BBD45D97E1}"/>
+                <a16:creationId xmlns:a16="http://schemas.microsoft.com/office/drawing/2014/main" id="{04B16F0F-6156-4CC7-A609-7A5CFF6633C1}"/>
               </a:ext>
             </a:extLst>
           </p:cNvPr>
@@ -4563,8 +4036,8 @@
         </p:blipFill>
         <p:spPr>
           <a:xfrm>
-            <a:off x="377408" y="2483939"/>
-            <a:ext cx="2028167" cy="611948"/>
+            <a:off x="218743" y="2391233"/>
+            <a:ext cx="6858957" cy="495369"/>
           </a:xfrm>
           <a:prstGeom prst="rect">
             <a:avLst/>
@@ -4576,7 +4049,7 @@
           <p:cNvPr id="10" name="TextBox 9">
             <a:extLst>
               <a:ext uri="{FF2B5EF4-FFF2-40B4-BE49-F238E27FC236}">
-                <a16:creationId xmlns:a16="http://schemas.microsoft.com/office/drawing/2014/main" id="{D3298FC0-4E96-4326-A463-C670D0AFB5EB}"/>
+                <a16:creationId xmlns:a16="http://schemas.microsoft.com/office/drawing/2014/main" id="{E50ED5F5-8BDF-4048-915B-E14BA66D464B}"/>
               </a:ext>
             </a:extLst>
           </p:cNvPr>
@@ -4585,8 +4058,8 @@
         </p:nvSpPr>
         <p:spPr>
           <a:xfrm>
-            <a:off x="2586185" y="2483939"/>
-            <a:ext cx="1788867" cy="646331"/>
+            <a:off x="7287065" y="2598159"/>
+            <a:ext cx="3291840" cy="369332"/>
           </a:xfrm>
           <a:prstGeom prst="rect">
             <a:avLst/>
@@ -4601,13 +4074,15 @@
           <a:p>
             <a:r>
               <a:rPr lang="ru-RU" dirty="0"/>
-              <a:t>Ширена</a:t>
-            </a:r>
-          </a:p>
-          <a:p>
+              <a:t>Тут я </a:t>
+            </a:r>
+            <a:r>
+              <a:rPr lang="ru-RU" dirty="0" err="1"/>
+              <a:t>добовляю</a:t>
+            </a:r>
             <a:r>
               <a:rPr lang="ru-RU" dirty="0"/>
-              <a:t>высота</a:t>
+              <a:t> вид шрифта</a:t>
             </a:r>
           </a:p>
         </p:txBody>
@@ -4617,7 +4092,7 @@
           <p:cNvPr id="12" name="Рисунок 11">
             <a:extLst>
               <a:ext uri="{FF2B5EF4-FFF2-40B4-BE49-F238E27FC236}">
-                <a16:creationId xmlns:a16="http://schemas.microsoft.com/office/drawing/2014/main" id="{80E453CE-626A-4376-8CE0-4A28FEEB1A8D}"/>
+                <a16:creationId xmlns:a16="http://schemas.microsoft.com/office/drawing/2014/main" id="{7872DD37-519B-4FA4-A324-D755BD9F1D5C}"/>
               </a:ext>
             </a:extLst>
           </p:cNvPr>
@@ -4634,8 +4109,8 @@
         </p:blipFill>
         <p:spPr>
           <a:xfrm>
-            <a:off x="377408" y="3217343"/>
-            <a:ext cx="2338380" cy="524120"/>
+            <a:off x="218743" y="3086052"/>
+            <a:ext cx="5258534" cy="342948"/>
           </a:xfrm>
           <a:prstGeom prst="rect">
             <a:avLst/>
@@ -4647,7 +4122,7 @@
           <p:cNvPr id="13" name="TextBox 12">
             <a:extLst>
               <a:ext uri="{FF2B5EF4-FFF2-40B4-BE49-F238E27FC236}">
-                <a16:creationId xmlns:a16="http://schemas.microsoft.com/office/drawing/2014/main" id="{AF71AA84-BAE1-462F-B889-1662C128EF6A}"/>
+                <a16:creationId xmlns:a16="http://schemas.microsoft.com/office/drawing/2014/main" id="{D87B3CA9-A12A-4DB5-8406-7BC652D761DA}"/>
               </a:ext>
             </a:extLst>
           </p:cNvPr>
@@ -4656,8 +4131,8 @@
         </p:nvSpPr>
         <p:spPr>
           <a:xfrm>
-            <a:off x="3066757" y="3429000"/>
-            <a:ext cx="1069145" cy="369332"/>
+            <a:off x="5767754" y="2974759"/>
+            <a:ext cx="5258534" cy="369332"/>
           </a:xfrm>
           <a:prstGeom prst="rect">
             <a:avLst/>
@@ -4672,48 +4147,19 @@
           <a:p>
             <a:r>
               <a:rPr lang="ru-RU" dirty="0"/>
-              <a:t>отступ</a:t>
-            </a:r>
-          </a:p>
-        </p:txBody>
-      </p:sp>
-      <p:sp>
-        <p:nvSpPr>
-          <p:cNvPr id="14" name="TextBox 13">
-            <a:extLst>
-              <a:ext uri="{FF2B5EF4-FFF2-40B4-BE49-F238E27FC236}">
-                <a16:creationId xmlns:a16="http://schemas.microsoft.com/office/drawing/2014/main" id="{6852D3CB-5266-418C-AACC-6E02B32B9D8E}"/>
-              </a:ext>
-            </a:extLst>
-          </p:cNvPr>
-          <p:cNvSpPr txBox="1"/>
-          <p:nvPr/>
-        </p:nvSpPr>
-        <p:spPr>
-          <a:xfrm>
-            <a:off x="2891272" y="3862759"/>
-            <a:ext cx="4233652" cy="646331"/>
-          </a:xfrm>
-          <a:prstGeom prst="rect">
-            <a:avLst/>
-          </a:prstGeom>
-          <a:noFill/>
-        </p:spPr>
-        <p:txBody>
-          <a:bodyPr wrap="square" rtlCol="0">
-            <a:spAutoFit/>
-          </a:bodyPr>
-          <a:lstStyle/>
-          <a:p>
-            <a:r>
-              <a:rPr lang="ru-RU" b="0" i="0" dirty="0">
-                <a:solidFill>
-                  <a:srgbClr val="282A2E"/>
-                </a:solidFill>
-                <a:effectLst/>
-                <a:latin typeface="Graphik"/>
-              </a:rPr>
-              <a:t>определяет, может ли пользователь выбрать текст в элементе</a:t>
+              <a:t>Привязываю стиль и в </a:t>
+            </a:r>
+            <a:r>
+              <a:rPr lang="en-US" dirty="0"/>
+              <a:t>&lt;title&gt;  </a:t>
+            </a:r>
+            <a:r>
+              <a:rPr lang="ru-RU" dirty="0"/>
+              <a:t>называю имя </a:t>
+            </a:r>
+            <a:r>
+              <a:rPr lang="ru-RU" dirty="0" err="1"/>
+              <a:t>саита</a:t>
             </a:r>
             <a:endParaRPr lang="ru-RU" dirty="0"/>
           </a:p>
@@ -4721,10 +4167,10 @@
       </p:sp>
       <p:pic>
         <p:nvPicPr>
-          <p:cNvPr id="16" name="Рисунок 15">
-            <a:extLst>
-              <a:ext uri="{FF2B5EF4-FFF2-40B4-BE49-F238E27FC236}">
-                <a16:creationId xmlns:a16="http://schemas.microsoft.com/office/drawing/2014/main" id="{65183A0F-2495-4E4A-AFCD-0B679C9CA83E}"/>
+          <p:cNvPr id="15" name="Рисунок 14">
+            <a:extLst>
+              <a:ext uri="{FF2B5EF4-FFF2-40B4-BE49-F238E27FC236}">
+                <a16:creationId xmlns:a16="http://schemas.microsoft.com/office/drawing/2014/main" id="{F8C595CE-0ED9-4BAB-9DF2-AE0E2C7A555C}"/>
               </a:ext>
             </a:extLst>
           </p:cNvPr>
@@ -4741,8 +4187,8 @@
         </p:blipFill>
         <p:spPr>
           <a:xfrm>
-            <a:off x="274413" y="4037228"/>
-            <a:ext cx="2544370" cy="297394"/>
+            <a:off x="218743" y="4061600"/>
+            <a:ext cx="1848108" cy="476316"/>
           </a:xfrm>
           <a:prstGeom prst="rect">
             <a:avLst/>
@@ -4751,10 +4197,10 @@
       </p:pic>
       <p:sp>
         <p:nvSpPr>
-          <p:cNvPr id="18" name="TextBox 17">
-            <a:extLst>
-              <a:ext uri="{FF2B5EF4-FFF2-40B4-BE49-F238E27FC236}">
-                <a16:creationId xmlns:a16="http://schemas.microsoft.com/office/drawing/2014/main" id="{85F25545-3FE4-423C-80E8-A1EE8E6C27A6}"/>
+          <p:cNvPr id="16" name="TextBox 15">
+            <a:extLst>
+              <a:ext uri="{FF2B5EF4-FFF2-40B4-BE49-F238E27FC236}">
+                <a16:creationId xmlns:a16="http://schemas.microsoft.com/office/drawing/2014/main" id="{00381B6A-9512-45F7-BA4C-885412604332}"/>
               </a:ext>
             </a:extLst>
           </p:cNvPr>
@@ -4763,8 +4209,8 @@
         </p:nvSpPr>
         <p:spPr>
           <a:xfrm>
-            <a:off x="2818783" y="4683095"/>
-            <a:ext cx="3652355" cy="369332"/>
+            <a:off x="218743" y="3560634"/>
+            <a:ext cx="4578340" cy="369332"/>
           </a:xfrm>
           <a:prstGeom prst="rect">
             <a:avLst/>
@@ -4772,182 +4218,51 @@
           <a:noFill/>
         </p:spPr>
         <p:txBody>
-          <a:bodyPr wrap="square">
+          <a:bodyPr wrap="square" rtlCol="0">
             <a:spAutoFit/>
           </a:bodyPr>
           <a:lstStyle/>
           <a:p>
             <a:r>
               <a:rPr lang="ru-RU" dirty="0"/>
-              <a:t>устанавливает внутренние отступы</a:t>
-            </a:r>
-          </a:p>
-        </p:txBody>
-      </p:sp>
-      <p:pic>
-        <p:nvPicPr>
-          <p:cNvPr id="20" name="Рисунок 19">
-            <a:extLst>
-              <a:ext uri="{FF2B5EF4-FFF2-40B4-BE49-F238E27FC236}">
-                <a16:creationId xmlns:a16="http://schemas.microsoft.com/office/drawing/2014/main" id="{3C4BF7FC-9C85-4B6A-8D4C-CB5F388A17DB}"/>
-              </a:ext>
-            </a:extLst>
-          </p:cNvPr>
-          <p:cNvPicPr>
-            <a:picLocks noChangeAspect="1"/>
-          </p:cNvPicPr>
-          <p:nvPr/>
-        </p:nvPicPr>
-        <p:blipFill>
-          <a:blip r:embed="rId7"/>
-          <a:stretch>
-            <a:fillRect/>
-          </a:stretch>
-        </p:blipFill>
-        <p:spPr>
-          <a:xfrm>
-            <a:off x="294734" y="4682804"/>
-            <a:ext cx="2340326" cy="283104"/>
-          </a:xfrm>
-          <a:prstGeom prst="rect">
-            <a:avLst/>
-          </a:prstGeom>
-        </p:spPr>
-      </p:pic>
-      <p:sp>
-        <p:nvSpPr>
-          <p:cNvPr id="22" name="TextBox 21">
-            <a:extLst>
-              <a:ext uri="{FF2B5EF4-FFF2-40B4-BE49-F238E27FC236}">
-                <a16:creationId xmlns:a16="http://schemas.microsoft.com/office/drawing/2014/main" id="{CA15F9FB-380C-4B71-805F-2C55915A25C9}"/>
-              </a:ext>
-            </a:extLst>
-          </p:cNvPr>
-          <p:cNvSpPr txBox="1"/>
-          <p:nvPr/>
-        </p:nvSpPr>
-        <p:spPr>
-          <a:xfrm>
-            <a:off x="2715788" y="5207715"/>
-            <a:ext cx="6098344" cy="369332"/>
-          </a:xfrm>
-          <a:prstGeom prst="rect">
-            <a:avLst/>
-          </a:prstGeom>
-          <a:noFill/>
-        </p:spPr>
-        <p:txBody>
-          <a:bodyPr wrap="square">
-            <a:spAutoFit/>
-          </a:bodyPr>
-          <a:lstStyle/>
-          <a:p>
+              <a:t>Для </a:t>
+            </a:r>
+            <a:r>
+              <a:rPr lang="ru-RU" dirty="0" err="1"/>
+              <a:t>создаия</a:t>
+            </a:r>
             <a:r>
               <a:rPr lang="ru-RU" dirty="0"/>
-              <a:t>изменяет размер элемента</a:t>
-            </a:r>
-          </a:p>
-        </p:txBody>
-      </p:sp>
-      <p:pic>
-        <p:nvPicPr>
-          <p:cNvPr id="8" name="Рисунок 7">
-            <a:extLst>
-              <a:ext uri="{FF2B5EF4-FFF2-40B4-BE49-F238E27FC236}">
-                <a16:creationId xmlns:a16="http://schemas.microsoft.com/office/drawing/2014/main" id="{AA049FFE-1051-4ED2-9ED6-8AE1D5842BC9}"/>
-              </a:ext>
-            </a:extLst>
-          </p:cNvPr>
-          <p:cNvPicPr>
-            <a:picLocks noChangeAspect="1"/>
-          </p:cNvPicPr>
-          <p:nvPr/>
-        </p:nvPicPr>
-        <p:blipFill>
-          <a:blip r:embed="rId8"/>
-          <a:stretch>
-            <a:fillRect/>
-          </a:stretch>
-        </p:blipFill>
-        <p:spPr>
-          <a:xfrm>
-            <a:off x="232134" y="5240757"/>
-            <a:ext cx="2465526" cy="303247"/>
-          </a:xfrm>
-          <a:prstGeom prst="rect">
-            <a:avLst/>
-          </a:prstGeom>
-        </p:spPr>
-      </p:pic>
-      <p:sp>
-        <p:nvSpPr>
-          <p:cNvPr id="21" name="TextBox 20">
-            <a:extLst>
-              <a:ext uri="{FF2B5EF4-FFF2-40B4-BE49-F238E27FC236}">
-                <a16:creationId xmlns:a16="http://schemas.microsoft.com/office/drawing/2014/main" id="{CA4505A3-F837-4FAB-88C5-E7793A5755D5}"/>
-              </a:ext>
-            </a:extLst>
-          </p:cNvPr>
-          <p:cNvSpPr txBox="1"/>
-          <p:nvPr/>
-        </p:nvSpPr>
-        <p:spPr>
-          <a:xfrm>
-            <a:off x="2335237" y="5751052"/>
-            <a:ext cx="4233652" cy="369332"/>
-          </a:xfrm>
-          <a:prstGeom prst="rect">
-            <a:avLst/>
-          </a:prstGeom>
-          <a:noFill/>
-        </p:spPr>
-        <p:txBody>
-          <a:bodyPr wrap="square">
-            <a:spAutoFit/>
-          </a:bodyPr>
-          <a:lstStyle/>
-          <a:p>
+              <a:t> класса </a:t>
+            </a:r>
+            <a:r>
+              <a:rPr lang="ru-RU" dirty="0" err="1"/>
+              <a:t>испольюеться</a:t>
+            </a:r>
             <a:r>
               <a:rPr lang="ru-RU" dirty="0"/>
-              <a:t>устанавливает непрозрачность элемента</a:t>
-            </a:r>
-          </a:p>
-        </p:txBody>
-      </p:sp>
-      <p:pic>
-        <p:nvPicPr>
-          <p:cNvPr id="19" name="Рисунок 18">
-            <a:extLst>
-              <a:ext uri="{FF2B5EF4-FFF2-40B4-BE49-F238E27FC236}">
-                <a16:creationId xmlns:a16="http://schemas.microsoft.com/office/drawing/2014/main" id="{04866DDB-E4E1-4C37-9B61-EF1C70556D2C}"/>
-              </a:ext>
-            </a:extLst>
-          </p:cNvPr>
-          <p:cNvPicPr>
-            <a:picLocks noChangeAspect="1"/>
-          </p:cNvPicPr>
-          <p:nvPr/>
-        </p:nvPicPr>
-        <p:blipFill>
-          <a:blip r:embed="rId9"/>
-          <a:stretch>
-            <a:fillRect/>
-          </a:stretch>
-        </p:blipFill>
-        <p:spPr>
-          <a:xfrm>
-            <a:off x="377408" y="5768965"/>
-            <a:ext cx="1717814" cy="360885"/>
-          </a:xfrm>
-          <a:prstGeom prst="rect">
-            <a:avLst/>
-          </a:prstGeom>
-        </p:spPr>
-      </p:pic>
+              <a:t> символ </a:t>
+            </a:r>
+            <a:r>
+              <a:rPr lang="en-US" dirty="0"/>
+              <a:t>“</a:t>
+            </a:r>
+            <a:r>
+              <a:rPr lang="ru-RU" dirty="0"/>
+              <a:t>.</a:t>
+            </a:r>
+            <a:r>
+              <a:rPr lang="en-US" dirty="0"/>
+              <a:t>”</a:t>
+            </a:r>
+            <a:endParaRPr lang="ru-RU" dirty="0"/>
+          </a:p>
+        </p:txBody>
+      </p:sp>
     </p:spTree>
     <p:extLst>
       <p:ext uri="{BB962C8B-B14F-4D97-AF65-F5344CB8AC3E}">
-        <p14:creationId xmlns:p14="http://schemas.microsoft.com/office/powerpoint/2010/main" val="1089771067"/>
+        <p14:creationId xmlns:p14="http://schemas.microsoft.com/office/powerpoint/2010/main" val="764828413"/>
       </p:ext>
     </p:extLst>
   </p:cSld>
@@ -4979,7 +4294,7 @@
           <p:cNvPr id="3" name="Рисунок 2">
             <a:extLst>
               <a:ext uri="{FF2B5EF4-FFF2-40B4-BE49-F238E27FC236}">
-                <a16:creationId xmlns:a16="http://schemas.microsoft.com/office/drawing/2014/main" id="{8A02B978-7FE5-494A-9E33-40530C3EAB3C}"/>
+                <a16:creationId xmlns:a16="http://schemas.microsoft.com/office/drawing/2014/main" id="{966CED3E-BB2C-4331-9E77-C975F76770DA}"/>
               </a:ext>
             </a:extLst>
           </p:cNvPr>
@@ -4996,20 +4311,55 @@
         </p:blipFill>
         <p:spPr>
           <a:xfrm>
-            <a:off x="578431" y="428366"/>
-            <a:ext cx="6290124" cy="739252"/>
+            <a:off x="318348" y="381622"/>
+            <a:ext cx="4296375" cy="523948"/>
           </a:xfrm>
           <a:prstGeom prst="rect">
             <a:avLst/>
           </a:prstGeom>
         </p:spPr>
       </p:pic>
+      <p:sp>
+        <p:nvSpPr>
+          <p:cNvPr id="12" name="TextBox 11">
+            <a:extLst>
+              <a:ext uri="{FF2B5EF4-FFF2-40B4-BE49-F238E27FC236}">
+                <a16:creationId xmlns:a16="http://schemas.microsoft.com/office/drawing/2014/main" id="{43203A11-07C1-470F-B5C2-831A3AF29E72}"/>
+              </a:ext>
+            </a:extLst>
+          </p:cNvPr>
+          <p:cNvSpPr txBox="1"/>
+          <p:nvPr/>
+        </p:nvSpPr>
+        <p:spPr>
+          <a:xfrm>
+            <a:off x="8932986" y="381622"/>
+            <a:ext cx="1617784" cy="369332"/>
+          </a:xfrm>
+          <a:prstGeom prst="rect">
+            <a:avLst/>
+          </a:prstGeom>
+          <a:noFill/>
+        </p:spPr>
+        <p:txBody>
+          <a:bodyPr wrap="square" rtlCol="0">
+            <a:spAutoFit/>
+          </a:bodyPr>
+          <a:lstStyle/>
+          <a:p>
+            <a:r>
+              <a:rPr lang="ru-RU" dirty="0"/>
+              <a:t>Тут класс цифр</a:t>
+            </a:r>
+          </a:p>
+        </p:txBody>
+      </p:sp>
       <p:pic>
         <p:nvPicPr>
-          <p:cNvPr id="5" name="Рисунок 4">
-            <a:extLst>
-              <a:ext uri="{FF2B5EF4-FFF2-40B4-BE49-F238E27FC236}">
-                <a16:creationId xmlns:a16="http://schemas.microsoft.com/office/drawing/2014/main" id="{A8B0E2FA-3FAD-41F0-AD11-9C042A373F46}"/>
+          <p:cNvPr id="14" name="Рисунок 13">
+            <a:extLst>
+              <a:ext uri="{FF2B5EF4-FFF2-40B4-BE49-F238E27FC236}">
+                <a16:creationId xmlns:a16="http://schemas.microsoft.com/office/drawing/2014/main" id="{3CD9BC0C-5C4C-44A1-863D-AC727533F853}"/>
               </a:ext>
             </a:extLst>
           </p:cNvPr>
@@ -5026,8 +4376,263 @@
         </p:blipFill>
         <p:spPr>
           <a:xfrm>
-            <a:off x="578431" y="2971120"/>
-            <a:ext cx="2169345" cy="3081455"/>
+            <a:off x="6672776" y="1436699"/>
+            <a:ext cx="2488188" cy="2851371"/>
+          </a:xfrm>
+          <a:prstGeom prst="rect">
+            <a:avLst/>
+          </a:prstGeom>
+        </p:spPr>
+      </p:pic>
+      <p:pic>
+        <p:nvPicPr>
+          <p:cNvPr id="16" name="Рисунок 15">
+            <a:extLst>
+              <a:ext uri="{FF2B5EF4-FFF2-40B4-BE49-F238E27FC236}">
+                <a16:creationId xmlns:a16="http://schemas.microsoft.com/office/drawing/2014/main" id="{D9CB869F-AD96-47DF-81AE-E8191A499DBD}"/>
+              </a:ext>
+            </a:extLst>
+          </p:cNvPr>
+          <p:cNvPicPr>
+            <a:picLocks noChangeAspect="1"/>
+          </p:cNvPicPr>
+          <p:nvPr/>
+        </p:nvPicPr>
+        <p:blipFill>
+          <a:blip r:embed="rId4"/>
+          <a:stretch>
+            <a:fillRect/>
+          </a:stretch>
+        </p:blipFill>
+        <p:spPr>
+          <a:xfrm>
+            <a:off x="318348" y="1104576"/>
+            <a:ext cx="4296375" cy="2324424"/>
+          </a:xfrm>
+          <a:prstGeom prst="rect">
+            <a:avLst/>
+          </a:prstGeom>
+        </p:spPr>
+      </p:pic>
+      <p:pic>
+        <p:nvPicPr>
+          <p:cNvPr id="4" name="Рисунок 3">
+            <a:extLst>
+              <a:ext uri="{FF2B5EF4-FFF2-40B4-BE49-F238E27FC236}">
+                <a16:creationId xmlns:a16="http://schemas.microsoft.com/office/drawing/2014/main" id="{D8552ADB-48FD-43C4-9FF5-8DEA2B7E6389}"/>
+              </a:ext>
+            </a:extLst>
+          </p:cNvPr>
+          <p:cNvPicPr>
+            <a:picLocks noChangeAspect="1"/>
+          </p:cNvPicPr>
+          <p:nvPr/>
+        </p:nvPicPr>
+        <p:blipFill>
+          <a:blip r:embed="rId5"/>
+          <a:stretch>
+            <a:fillRect/>
+          </a:stretch>
+        </p:blipFill>
+        <p:spPr>
+          <a:xfrm>
+            <a:off x="318348" y="3898102"/>
+            <a:ext cx="3134162" cy="581106"/>
+          </a:xfrm>
+          <a:prstGeom prst="rect">
+            <a:avLst/>
+          </a:prstGeom>
+        </p:spPr>
+      </p:pic>
+      <p:sp>
+        <p:nvSpPr>
+          <p:cNvPr id="5" name="TextBox 4">
+            <a:extLst>
+              <a:ext uri="{FF2B5EF4-FFF2-40B4-BE49-F238E27FC236}">
+                <a16:creationId xmlns:a16="http://schemas.microsoft.com/office/drawing/2014/main" id="{BA796771-0BA7-4DC5-8996-A263183F0DAC}"/>
+              </a:ext>
+            </a:extLst>
+          </p:cNvPr>
+          <p:cNvSpPr txBox="1"/>
+          <p:nvPr/>
+        </p:nvSpPr>
+        <p:spPr>
+          <a:xfrm>
+            <a:off x="318348" y="4740812"/>
+            <a:ext cx="3297049" cy="369332"/>
+          </a:xfrm>
+          <a:prstGeom prst="rect">
+            <a:avLst/>
+          </a:prstGeom>
+          <a:noFill/>
+        </p:spPr>
+        <p:txBody>
+          <a:bodyPr wrap="square" rtlCol="0">
+            <a:spAutoFit/>
+          </a:bodyPr>
+          <a:lstStyle/>
+          <a:p>
+            <a:r>
+              <a:rPr lang="ru-RU" dirty="0"/>
+              <a:t>Привязываем картинку</a:t>
+            </a:r>
+          </a:p>
+        </p:txBody>
+      </p:sp>
+      <p:pic>
+        <p:nvPicPr>
+          <p:cNvPr id="7" name="Рисунок 6">
+            <a:extLst>
+              <a:ext uri="{FF2B5EF4-FFF2-40B4-BE49-F238E27FC236}">
+                <a16:creationId xmlns:a16="http://schemas.microsoft.com/office/drawing/2014/main" id="{C32EB7C1-3462-4AD9-9A4E-A9355FFB2583}"/>
+              </a:ext>
+            </a:extLst>
+          </p:cNvPr>
+          <p:cNvPicPr>
+            <a:picLocks noChangeAspect="1"/>
+          </p:cNvPicPr>
+          <p:nvPr/>
+        </p:nvPicPr>
+        <p:blipFill>
+          <a:blip r:embed="rId6"/>
+          <a:stretch>
+            <a:fillRect/>
+          </a:stretch>
+        </p:blipFill>
+        <p:spPr>
+          <a:xfrm>
+            <a:off x="3061930" y="4735100"/>
+            <a:ext cx="390580" cy="371527"/>
+          </a:xfrm>
+          <a:prstGeom prst="rect">
+            <a:avLst/>
+          </a:prstGeom>
+        </p:spPr>
+      </p:pic>
+      <p:pic>
+        <p:nvPicPr>
+          <p:cNvPr id="9" name="Рисунок 8">
+            <a:extLst>
+              <a:ext uri="{FF2B5EF4-FFF2-40B4-BE49-F238E27FC236}">
+                <a16:creationId xmlns:a16="http://schemas.microsoft.com/office/drawing/2014/main" id="{F7596F39-52DE-4115-82A0-8319402245C9}"/>
+              </a:ext>
+            </a:extLst>
+          </p:cNvPr>
+          <p:cNvPicPr>
+            <a:picLocks noChangeAspect="1"/>
+          </p:cNvPicPr>
+          <p:nvPr/>
+        </p:nvPicPr>
+        <p:blipFill>
+          <a:blip r:embed="rId7"/>
+          <a:stretch>
+            <a:fillRect/>
+          </a:stretch>
+        </p:blipFill>
+        <p:spPr>
+          <a:xfrm>
+            <a:off x="434013" y="5064562"/>
+            <a:ext cx="1561514" cy="608726"/>
+          </a:xfrm>
+          <a:prstGeom prst="rect">
+            <a:avLst/>
+          </a:prstGeom>
+        </p:spPr>
+      </p:pic>
+      <p:pic>
+        <p:nvPicPr>
+          <p:cNvPr id="11" name="Рисунок 10">
+            <a:extLst>
+              <a:ext uri="{FF2B5EF4-FFF2-40B4-BE49-F238E27FC236}">
+                <a16:creationId xmlns:a16="http://schemas.microsoft.com/office/drawing/2014/main" id="{C6BE38B9-0870-4EA3-A5D7-8BA4B0E54AD0}"/>
+              </a:ext>
+            </a:extLst>
+          </p:cNvPr>
+          <p:cNvPicPr>
+            <a:picLocks noChangeAspect="1"/>
+          </p:cNvPicPr>
+          <p:nvPr/>
+        </p:nvPicPr>
+        <p:blipFill>
+          <a:blip r:embed="rId8"/>
+          <a:stretch>
+            <a:fillRect/>
+          </a:stretch>
+        </p:blipFill>
+        <p:spPr>
+          <a:xfrm>
+            <a:off x="3820158" y="4920863"/>
+            <a:ext cx="3362794" cy="552527"/>
+          </a:xfrm>
+          <a:prstGeom prst="rect">
+            <a:avLst/>
+          </a:prstGeom>
+        </p:spPr>
+      </p:pic>
+      <p:sp>
+        <p:nvSpPr>
+          <p:cNvPr id="13" name="TextBox 12">
+            <a:extLst>
+              <a:ext uri="{FF2B5EF4-FFF2-40B4-BE49-F238E27FC236}">
+                <a16:creationId xmlns:a16="http://schemas.microsoft.com/office/drawing/2014/main" id="{F15215FA-983C-4A01-B1A4-86701027F55A}"/>
+              </a:ext>
+            </a:extLst>
+          </p:cNvPr>
+          <p:cNvSpPr txBox="1"/>
+          <p:nvPr/>
+        </p:nvSpPr>
+        <p:spPr>
+          <a:xfrm>
+            <a:off x="3854548" y="5753424"/>
+            <a:ext cx="3938954" cy="369332"/>
+          </a:xfrm>
+          <a:prstGeom prst="rect">
+            <a:avLst/>
+          </a:prstGeom>
+          <a:noFill/>
+        </p:spPr>
+        <p:txBody>
+          <a:bodyPr wrap="square" rtlCol="0">
+            <a:spAutoFit/>
+          </a:bodyPr>
+          <a:lstStyle/>
+          <a:p>
+            <a:r>
+              <a:rPr lang="ru-RU" dirty="0"/>
+              <a:t>Привязываем еще один </a:t>
+            </a:r>
+            <a:r>
+              <a:rPr lang="ru-RU" dirty="0" err="1"/>
+              <a:t>фаил</a:t>
+            </a:r>
+            <a:endParaRPr lang="ru-RU" dirty="0"/>
+          </a:p>
+        </p:txBody>
+      </p:sp>
+      <p:pic>
+        <p:nvPicPr>
+          <p:cNvPr id="17" name="Рисунок 16">
+            <a:extLst>
+              <a:ext uri="{FF2B5EF4-FFF2-40B4-BE49-F238E27FC236}">
+                <a16:creationId xmlns:a16="http://schemas.microsoft.com/office/drawing/2014/main" id="{36EA0F72-D4DF-4EAD-8734-5C707DB83C6F}"/>
+              </a:ext>
+            </a:extLst>
+          </p:cNvPr>
+          <p:cNvPicPr>
+            <a:picLocks noChangeAspect="1"/>
+          </p:cNvPicPr>
+          <p:nvPr/>
+        </p:nvPicPr>
+        <p:blipFill>
+          <a:blip r:embed="rId9"/>
+          <a:stretch>
+            <a:fillRect/>
+          </a:stretch>
+        </p:blipFill>
+        <p:spPr>
+          <a:xfrm>
+            <a:off x="6907079" y="5827440"/>
+            <a:ext cx="1009791" cy="295316"/>
           </a:xfrm>
           <a:prstGeom prst="rect">
             <a:avLst/>
@@ -5037,7 +4642,7 @@
     </p:spTree>
     <p:extLst>
       <p:ext uri="{BB962C8B-B14F-4D97-AF65-F5344CB8AC3E}">
-        <p14:creationId xmlns:p14="http://schemas.microsoft.com/office/powerpoint/2010/main" val="3628474348"/>
+        <p14:creationId xmlns:p14="http://schemas.microsoft.com/office/powerpoint/2010/main" val="576820744"/>
       </p:ext>
     </p:extLst>
   </p:cSld>
@@ -5069,7 +4674,7 @@
           <p:cNvPr id="3" name="Рисунок 2">
             <a:extLst>
               <a:ext uri="{FF2B5EF4-FFF2-40B4-BE49-F238E27FC236}">
-                <a16:creationId xmlns:a16="http://schemas.microsoft.com/office/drawing/2014/main" id="{E3BDC8FE-D8C9-4892-91DB-697BF194246A}"/>
+                <a16:creationId xmlns:a16="http://schemas.microsoft.com/office/drawing/2014/main" id="{F81AFBDB-C0F4-4733-8118-4CEE8DDD27AE}"/>
               </a:ext>
             </a:extLst>
           </p:cNvPr>
@@ -5086,20 +4691,59 @@
         </p:blipFill>
         <p:spPr>
           <a:xfrm>
-            <a:off x="660958" y="422031"/>
-            <a:ext cx="4961346" cy="1398501"/>
+            <a:off x="461814" y="394465"/>
+            <a:ext cx="2124371" cy="1286054"/>
           </a:xfrm>
           <a:prstGeom prst="rect">
             <a:avLst/>
           </a:prstGeom>
         </p:spPr>
       </p:pic>
+      <p:sp>
+        <p:nvSpPr>
+          <p:cNvPr id="4" name="TextBox 3">
+            <a:extLst>
+              <a:ext uri="{FF2B5EF4-FFF2-40B4-BE49-F238E27FC236}">
+                <a16:creationId xmlns:a16="http://schemas.microsoft.com/office/drawing/2014/main" id="{A11C0890-DBAD-4F0F-A195-4B185AF2156D}"/>
+              </a:ext>
+            </a:extLst>
+          </p:cNvPr>
+          <p:cNvSpPr txBox="1"/>
+          <p:nvPr/>
+        </p:nvSpPr>
+        <p:spPr>
+          <a:xfrm>
+            <a:off x="3066757" y="518719"/>
+            <a:ext cx="3882683" cy="369332"/>
+          </a:xfrm>
+          <a:prstGeom prst="rect">
+            <a:avLst/>
+          </a:prstGeom>
+          <a:noFill/>
+        </p:spPr>
+        <p:txBody>
+          <a:bodyPr wrap="square" rtlCol="0">
+            <a:spAutoFit/>
+          </a:bodyPr>
+          <a:lstStyle/>
+          <a:p>
+            <a:r>
+              <a:rPr lang="ru-RU" dirty="0" err="1"/>
+              <a:t>Тепрь</a:t>
+            </a:r>
+            <a:r>
+              <a:rPr lang="ru-RU" dirty="0"/>
+              <a:t> придаем стиль</a:t>
+            </a:r>
+          </a:p>
+        </p:txBody>
+      </p:sp>
       <p:pic>
         <p:nvPicPr>
-          <p:cNvPr id="5" name="Рисунок 4">
-            <a:extLst>
-              <a:ext uri="{FF2B5EF4-FFF2-40B4-BE49-F238E27FC236}">
-                <a16:creationId xmlns:a16="http://schemas.microsoft.com/office/drawing/2014/main" id="{6368C455-7E6B-49F6-9559-C6C2BE39DA8B}"/>
+          <p:cNvPr id="6" name="Рисунок 5">
+            <a:extLst>
+              <a:ext uri="{FF2B5EF4-FFF2-40B4-BE49-F238E27FC236}">
+                <a16:creationId xmlns:a16="http://schemas.microsoft.com/office/drawing/2014/main" id="{DE20B042-C6ED-4D57-B42E-90D2A28E6908}"/>
               </a:ext>
             </a:extLst>
           </p:cNvPr>
@@ -5116,8 +4760,446 @@
         </p:blipFill>
         <p:spPr>
           <a:xfrm>
-            <a:off x="464010" y="3345237"/>
-            <a:ext cx="6320231" cy="3090732"/>
+            <a:off x="377408" y="2053110"/>
+            <a:ext cx="2904296" cy="369332"/>
+          </a:xfrm>
+          <a:prstGeom prst="rect">
+            <a:avLst/>
+          </a:prstGeom>
+        </p:spPr>
+      </p:pic>
+      <p:sp>
+        <p:nvSpPr>
+          <p:cNvPr id="7" name="TextBox 6">
+            <a:extLst>
+              <a:ext uri="{FF2B5EF4-FFF2-40B4-BE49-F238E27FC236}">
+                <a16:creationId xmlns:a16="http://schemas.microsoft.com/office/drawing/2014/main" id="{F99C095A-FA5C-40F4-A8B6-4BCF7EDC5B90}"/>
+              </a:ext>
+            </a:extLst>
+          </p:cNvPr>
+          <p:cNvSpPr txBox="1"/>
+          <p:nvPr/>
+        </p:nvSpPr>
+        <p:spPr>
+          <a:xfrm>
+            <a:off x="3573194" y="2084044"/>
+            <a:ext cx="1434904" cy="369332"/>
+          </a:xfrm>
+          <a:prstGeom prst="rect">
+            <a:avLst/>
+          </a:prstGeom>
+          <a:noFill/>
+        </p:spPr>
+        <p:txBody>
+          <a:bodyPr wrap="square" rtlCol="0">
+            <a:spAutoFit/>
+          </a:bodyPr>
+          <a:lstStyle/>
+          <a:p>
+            <a:r>
+              <a:rPr lang="ru-RU" dirty="0"/>
+              <a:t>Цвет фона</a:t>
+            </a:r>
+          </a:p>
+        </p:txBody>
+      </p:sp>
+      <p:pic>
+        <p:nvPicPr>
+          <p:cNvPr id="9" name="Рисунок 8">
+            <a:extLst>
+              <a:ext uri="{FF2B5EF4-FFF2-40B4-BE49-F238E27FC236}">
+                <a16:creationId xmlns:a16="http://schemas.microsoft.com/office/drawing/2014/main" id="{F5606D94-554B-4ADA-AE84-74BBD45D97E1}"/>
+              </a:ext>
+            </a:extLst>
+          </p:cNvPr>
+          <p:cNvPicPr>
+            <a:picLocks noChangeAspect="1"/>
+          </p:cNvPicPr>
+          <p:nvPr/>
+        </p:nvPicPr>
+        <p:blipFill>
+          <a:blip r:embed="rId4"/>
+          <a:stretch>
+            <a:fillRect/>
+          </a:stretch>
+        </p:blipFill>
+        <p:spPr>
+          <a:xfrm>
+            <a:off x="377408" y="2483939"/>
+            <a:ext cx="2028167" cy="611948"/>
+          </a:xfrm>
+          <a:prstGeom prst="rect">
+            <a:avLst/>
+          </a:prstGeom>
+        </p:spPr>
+      </p:pic>
+      <p:sp>
+        <p:nvSpPr>
+          <p:cNvPr id="10" name="TextBox 9">
+            <a:extLst>
+              <a:ext uri="{FF2B5EF4-FFF2-40B4-BE49-F238E27FC236}">
+                <a16:creationId xmlns:a16="http://schemas.microsoft.com/office/drawing/2014/main" id="{D3298FC0-4E96-4326-A463-C670D0AFB5EB}"/>
+              </a:ext>
+            </a:extLst>
+          </p:cNvPr>
+          <p:cNvSpPr txBox="1"/>
+          <p:nvPr/>
+        </p:nvSpPr>
+        <p:spPr>
+          <a:xfrm>
+            <a:off x="2586185" y="2483939"/>
+            <a:ext cx="1788867" cy="646331"/>
+          </a:xfrm>
+          <a:prstGeom prst="rect">
+            <a:avLst/>
+          </a:prstGeom>
+          <a:noFill/>
+        </p:spPr>
+        <p:txBody>
+          <a:bodyPr wrap="square" rtlCol="0">
+            <a:spAutoFit/>
+          </a:bodyPr>
+          <a:lstStyle/>
+          <a:p>
+            <a:r>
+              <a:rPr lang="ru-RU" dirty="0"/>
+              <a:t>Ширена</a:t>
+            </a:r>
+          </a:p>
+          <a:p>
+            <a:r>
+              <a:rPr lang="ru-RU" dirty="0"/>
+              <a:t>высота</a:t>
+            </a:r>
+          </a:p>
+        </p:txBody>
+      </p:sp>
+      <p:pic>
+        <p:nvPicPr>
+          <p:cNvPr id="12" name="Рисунок 11">
+            <a:extLst>
+              <a:ext uri="{FF2B5EF4-FFF2-40B4-BE49-F238E27FC236}">
+                <a16:creationId xmlns:a16="http://schemas.microsoft.com/office/drawing/2014/main" id="{80E453CE-626A-4376-8CE0-4A28FEEB1A8D}"/>
+              </a:ext>
+            </a:extLst>
+          </p:cNvPr>
+          <p:cNvPicPr>
+            <a:picLocks noChangeAspect="1"/>
+          </p:cNvPicPr>
+          <p:nvPr/>
+        </p:nvPicPr>
+        <p:blipFill>
+          <a:blip r:embed="rId5"/>
+          <a:stretch>
+            <a:fillRect/>
+          </a:stretch>
+        </p:blipFill>
+        <p:spPr>
+          <a:xfrm>
+            <a:off x="377408" y="3217343"/>
+            <a:ext cx="2338380" cy="524120"/>
+          </a:xfrm>
+          <a:prstGeom prst="rect">
+            <a:avLst/>
+          </a:prstGeom>
+        </p:spPr>
+      </p:pic>
+      <p:sp>
+        <p:nvSpPr>
+          <p:cNvPr id="13" name="TextBox 12">
+            <a:extLst>
+              <a:ext uri="{FF2B5EF4-FFF2-40B4-BE49-F238E27FC236}">
+                <a16:creationId xmlns:a16="http://schemas.microsoft.com/office/drawing/2014/main" id="{AF71AA84-BAE1-462F-B889-1662C128EF6A}"/>
+              </a:ext>
+            </a:extLst>
+          </p:cNvPr>
+          <p:cNvSpPr txBox="1"/>
+          <p:nvPr/>
+        </p:nvSpPr>
+        <p:spPr>
+          <a:xfrm>
+            <a:off x="3066757" y="3429000"/>
+            <a:ext cx="1069145" cy="369332"/>
+          </a:xfrm>
+          <a:prstGeom prst="rect">
+            <a:avLst/>
+          </a:prstGeom>
+          <a:noFill/>
+        </p:spPr>
+        <p:txBody>
+          <a:bodyPr wrap="square" rtlCol="0">
+            <a:spAutoFit/>
+          </a:bodyPr>
+          <a:lstStyle/>
+          <a:p>
+            <a:r>
+              <a:rPr lang="ru-RU" dirty="0"/>
+              <a:t>отступ</a:t>
+            </a:r>
+          </a:p>
+        </p:txBody>
+      </p:sp>
+      <p:sp>
+        <p:nvSpPr>
+          <p:cNvPr id="14" name="TextBox 13">
+            <a:extLst>
+              <a:ext uri="{FF2B5EF4-FFF2-40B4-BE49-F238E27FC236}">
+                <a16:creationId xmlns:a16="http://schemas.microsoft.com/office/drawing/2014/main" id="{6852D3CB-5266-418C-AACC-6E02B32B9D8E}"/>
+              </a:ext>
+            </a:extLst>
+          </p:cNvPr>
+          <p:cNvSpPr txBox="1"/>
+          <p:nvPr/>
+        </p:nvSpPr>
+        <p:spPr>
+          <a:xfrm>
+            <a:off x="2891272" y="3862759"/>
+            <a:ext cx="4233652" cy="646331"/>
+          </a:xfrm>
+          <a:prstGeom prst="rect">
+            <a:avLst/>
+          </a:prstGeom>
+          <a:noFill/>
+        </p:spPr>
+        <p:txBody>
+          <a:bodyPr wrap="square" rtlCol="0">
+            <a:spAutoFit/>
+          </a:bodyPr>
+          <a:lstStyle/>
+          <a:p>
+            <a:r>
+              <a:rPr lang="ru-RU" b="0" i="0" dirty="0">
+                <a:solidFill>
+                  <a:srgbClr val="282A2E"/>
+                </a:solidFill>
+                <a:effectLst/>
+                <a:latin typeface="Graphik"/>
+              </a:rPr>
+              <a:t>определяет, может ли пользователь выбрать текст в элементе</a:t>
+            </a:r>
+            <a:endParaRPr lang="ru-RU" dirty="0"/>
+          </a:p>
+        </p:txBody>
+      </p:sp>
+      <p:pic>
+        <p:nvPicPr>
+          <p:cNvPr id="16" name="Рисунок 15">
+            <a:extLst>
+              <a:ext uri="{FF2B5EF4-FFF2-40B4-BE49-F238E27FC236}">
+                <a16:creationId xmlns:a16="http://schemas.microsoft.com/office/drawing/2014/main" id="{65183A0F-2495-4E4A-AFCD-0B679C9CA83E}"/>
+              </a:ext>
+            </a:extLst>
+          </p:cNvPr>
+          <p:cNvPicPr>
+            <a:picLocks noChangeAspect="1"/>
+          </p:cNvPicPr>
+          <p:nvPr/>
+        </p:nvPicPr>
+        <p:blipFill>
+          <a:blip r:embed="rId6"/>
+          <a:stretch>
+            <a:fillRect/>
+          </a:stretch>
+        </p:blipFill>
+        <p:spPr>
+          <a:xfrm>
+            <a:off x="274413" y="4037228"/>
+            <a:ext cx="2544370" cy="297394"/>
+          </a:xfrm>
+          <a:prstGeom prst="rect">
+            <a:avLst/>
+          </a:prstGeom>
+        </p:spPr>
+      </p:pic>
+      <p:sp>
+        <p:nvSpPr>
+          <p:cNvPr id="18" name="TextBox 17">
+            <a:extLst>
+              <a:ext uri="{FF2B5EF4-FFF2-40B4-BE49-F238E27FC236}">
+                <a16:creationId xmlns:a16="http://schemas.microsoft.com/office/drawing/2014/main" id="{85F25545-3FE4-423C-80E8-A1EE8E6C27A6}"/>
+              </a:ext>
+            </a:extLst>
+          </p:cNvPr>
+          <p:cNvSpPr txBox="1"/>
+          <p:nvPr/>
+        </p:nvSpPr>
+        <p:spPr>
+          <a:xfrm>
+            <a:off x="2818783" y="4683095"/>
+            <a:ext cx="3652355" cy="369332"/>
+          </a:xfrm>
+          <a:prstGeom prst="rect">
+            <a:avLst/>
+          </a:prstGeom>
+          <a:noFill/>
+        </p:spPr>
+        <p:txBody>
+          <a:bodyPr wrap="square">
+            <a:spAutoFit/>
+          </a:bodyPr>
+          <a:lstStyle/>
+          <a:p>
+            <a:r>
+              <a:rPr lang="ru-RU" dirty="0"/>
+              <a:t>устанавливает внутренние отступы</a:t>
+            </a:r>
+          </a:p>
+        </p:txBody>
+      </p:sp>
+      <p:pic>
+        <p:nvPicPr>
+          <p:cNvPr id="20" name="Рисунок 19">
+            <a:extLst>
+              <a:ext uri="{FF2B5EF4-FFF2-40B4-BE49-F238E27FC236}">
+                <a16:creationId xmlns:a16="http://schemas.microsoft.com/office/drawing/2014/main" id="{3C4BF7FC-9C85-4B6A-8D4C-CB5F388A17DB}"/>
+              </a:ext>
+            </a:extLst>
+          </p:cNvPr>
+          <p:cNvPicPr>
+            <a:picLocks noChangeAspect="1"/>
+          </p:cNvPicPr>
+          <p:nvPr/>
+        </p:nvPicPr>
+        <p:blipFill>
+          <a:blip r:embed="rId7"/>
+          <a:stretch>
+            <a:fillRect/>
+          </a:stretch>
+        </p:blipFill>
+        <p:spPr>
+          <a:xfrm>
+            <a:off x="294734" y="4682804"/>
+            <a:ext cx="2340326" cy="283104"/>
+          </a:xfrm>
+          <a:prstGeom prst="rect">
+            <a:avLst/>
+          </a:prstGeom>
+        </p:spPr>
+      </p:pic>
+      <p:sp>
+        <p:nvSpPr>
+          <p:cNvPr id="22" name="TextBox 21">
+            <a:extLst>
+              <a:ext uri="{FF2B5EF4-FFF2-40B4-BE49-F238E27FC236}">
+                <a16:creationId xmlns:a16="http://schemas.microsoft.com/office/drawing/2014/main" id="{CA15F9FB-380C-4B71-805F-2C55915A25C9}"/>
+              </a:ext>
+            </a:extLst>
+          </p:cNvPr>
+          <p:cNvSpPr txBox="1"/>
+          <p:nvPr/>
+        </p:nvSpPr>
+        <p:spPr>
+          <a:xfrm>
+            <a:off x="2715788" y="5207715"/>
+            <a:ext cx="6098344" cy="369332"/>
+          </a:xfrm>
+          <a:prstGeom prst="rect">
+            <a:avLst/>
+          </a:prstGeom>
+          <a:noFill/>
+        </p:spPr>
+        <p:txBody>
+          <a:bodyPr wrap="square">
+            <a:spAutoFit/>
+          </a:bodyPr>
+          <a:lstStyle/>
+          <a:p>
+            <a:r>
+              <a:rPr lang="ru-RU" dirty="0"/>
+              <a:t>изменяет размер элемента</a:t>
+            </a:r>
+          </a:p>
+        </p:txBody>
+      </p:sp>
+      <p:pic>
+        <p:nvPicPr>
+          <p:cNvPr id="8" name="Рисунок 7">
+            <a:extLst>
+              <a:ext uri="{FF2B5EF4-FFF2-40B4-BE49-F238E27FC236}">
+                <a16:creationId xmlns:a16="http://schemas.microsoft.com/office/drawing/2014/main" id="{AA049FFE-1051-4ED2-9ED6-8AE1D5842BC9}"/>
+              </a:ext>
+            </a:extLst>
+          </p:cNvPr>
+          <p:cNvPicPr>
+            <a:picLocks noChangeAspect="1"/>
+          </p:cNvPicPr>
+          <p:nvPr/>
+        </p:nvPicPr>
+        <p:blipFill>
+          <a:blip r:embed="rId8"/>
+          <a:stretch>
+            <a:fillRect/>
+          </a:stretch>
+        </p:blipFill>
+        <p:spPr>
+          <a:xfrm>
+            <a:off x="232134" y="5240757"/>
+            <a:ext cx="2465526" cy="303247"/>
+          </a:xfrm>
+          <a:prstGeom prst="rect">
+            <a:avLst/>
+          </a:prstGeom>
+        </p:spPr>
+      </p:pic>
+      <p:sp>
+        <p:nvSpPr>
+          <p:cNvPr id="21" name="TextBox 20">
+            <a:extLst>
+              <a:ext uri="{FF2B5EF4-FFF2-40B4-BE49-F238E27FC236}">
+                <a16:creationId xmlns:a16="http://schemas.microsoft.com/office/drawing/2014/main" id="{CA4505A3-F837-4FAB-88C5-E7793A5755D5}"/>
+              </a:ext>
+            </a:extLst>
+          </p:cNvPr>
+          <p:cNvSpPr txBox="1"/>
+          <p:nvPr/>
+        </p:nvSpPr>
+        <p:spPr>
+          <a:xfrm>
+            <a:off x="2335237" y="5751052"/>
+            <a:ext cx="4233652" cy="369332"/>
+          </a:xfrm>
+          <a:prstGeom prst="rect">
+            <a:avLst/>
+          </a:prstGeom>
+          <a:noFill/>
+        </p:spPr>
+        <p:txBody>
+          <a:bodyPr wrap="square">
+            <a:spAutoFit/>
+          </a:bodyPr>
+          <a:lstStyle/>
+          <a:p>
+            <a:r>
+              <a:rPr lang="ru-RU" dirty="0"/>
+              <a:t>устанавливает непрозрачность элемента</a:t>
+            </a:r>
+          </a:p>
+        </p:txBody>
+      </p:sp>
+      <p:pic>
+        <p:nvPicPr>
+          <p:cNvPr id="19" name="Рисунок 18">
+            <a:extLst>
+              <a:ext uri="{FF2B5EF4-FFF2-40B4-BE49-F238E27FC236}">
+                <a16:creationId xmlns:a16="http://schemas.microsoft.com/office/drawing/2014/main" id="{04866DDB-E4E1-4C37-9B61-EF1C70556D2C}"/>
+              </a:ext>
+            </a:extLst>
+          </p:cNvPr>
+          <p:cNvPicPr>
+            <a:picLocks noChangeAspect="1"/>
+          </p:cNvPicPr>
+          <p:nvPr/>
+        </p:nvPicPr>
+        <p:blipFill>
+          <a:blip r:embed="rId9"/>
+          <a:stretch>
+            <a:fillRect/>
+          </a:stretch>
+        </p:blipFill>
+        <p:spPr>
+          <a:xfrm>
+            <a:off x="377408" y="5768965"/>
+            <a:ext cx="1717814" cy="360885"/>
           </a:xfrm>
           <a:prstGeom prst="rect">
             <a:avLst/>
@@ -5127,7 +5209,7 @@
     </p:spTree>
     <p:extLst>
       <p:ext uri="{BB962C8B-B14F-4D97-AF65-F5344CB8AC3E}">
-        <p14:creationId xmlns:p14="http://schemas.microsoft.com/office/powerpoint/2010/main" val="3589566976"/>
+        <p14:creationId xmlns:p14="http://schemas.microsoft.com/office/powerpoint/2010/main" val="1089771067"/>
       </p:ext>
     </p:extLst>
   </p:cSld>
@@ -5159,7 +5241,7 @@
           <p:cNvPr id="3" name="Рисунок 2">
             <a:extLst>
               <a:ext uri="{FF2B5EF4-FFF2-40B4-BE49-F238E27FC236}">
-                <a16:creationId xmlns:a16="http://schemas.microsoft.com/office/drawing/2014/main" id="{8404E8AA-5A00-4E93-BAB3-3EC793CF0B82}"/>
+                <a16:creationId xmlns:a16="http://schemas.microsoft.com/office/drawing/2014/main" id="{8A02B978-7FE5-494A-9E33-40530C3EAB3C}"/>
               </a:ext>
             </a:extLst>
           </p:cNvPr>
@@ -5176,18 +5258,83 @@
         </p:blipFill>
         <p:spPr>
           <a:xfrm>
-            <a:off x="574882" y="321348"/>
-            <a:ext cx="5077534" cy="2248214"/>
+            <a:off x="578431" y="428366"/>
+            <a:ext cx="6290124" cy="739252"/>
           </a:xfrm>
           <a:prstGeom prst="rect">
             <a:avLst/>
           </a:prstGeom>
         </p:spPr>
       </p:pic>
+      <p:pic>
+        <p:nvPicPr>
+          <p:cNvPr id="5" name="Рисунок 4">
+            <a:extLst>
+              <a:ext uri="{FF2B5EF4-FFF2-40B4-BE49-F238E27FC236}">
+                <a16:creationId xmlns:a16="http://schemas.microsoft.com/office/drawing/2014/main" id="{A8B0E2FA-3FAD-41F0-AD11-9C042A373F46}"/>
+              </a:ext>
+            </a:extLst>
+          </p:cNvPr>
+          <p:cNvPicPr>
+            <a:picLocks noChangeAspect="1"/>
+          </p:cNvPicPr>
+          <p:nvPr/>
+        </p:nvPicPr>
+        <p:blipFill>
+          <a:blip r:embed="rId3"/>
+          <a:stretch>
+            <a:fillRect/>
+          </a:stretch>
+        </p:blipFill>
+        <p:spPr>
+          <a:xfrm>
+            <a:off x="578431" y="2971120"/>
+            <a:ext cx="2169345" cy="3081455"/>
+          </a:xfrm>
+          <a:prstGeom prst="rect">
+            <a:avLst/>
+          </a:prstGeom>
+        </p:spPr>
+      </p:pic>
+      <p:sp>
+        <p:nvSpPr>
+          <p:cNvPr id="2" name="TextBox 1">
+            <a:extLst>
+              <a:ext uri="{FF2B5EF4-FFF2-40B4-BE49-F238E27FC236}">
+                <a16:creationId xmlns:a16="http://schemas.microsoft.com/office/drawing/2014/main" id="{226C9B70-4200-4DA7-BF05-72843DD138DB}"/>
+              </a:ext>
+            </a:extLst>
+          </p:cNvPr>
+          <p:cNvSpPr txBox="1"/>
+          <p:nvPr/>
+        </p:nvSpPr>
+        <p:spPr>
+          <a:xfrm>
+            <a:off x="4797083" y="2518117"/>
+            <a:ext cx="6290124" cy="369332"/>
+          </a:xfrm>
+          <a:prstGeom prst="rect">
+            <a:avLst/>
+          </a:prstGeom>
+          <a:noFill/>
+        </p:spPr>
+        <p:txBody>
+          <a:bodyPr wrap="square" rtlCol="0">
+            <a:spAutoFit/>
+          </a:bodyPr>
+          <a:lstStyle/>
+          <a:p>
+            <a:r>
+              <a:rPr lang="ru-RU" dirty="0"/>
+              <a:t>Создаем нажимаемые кнопки</a:t>
+            </a:r>
+          </a:p>
+        </p:txBody>
+      </p:sp>
     </p:spTree>
     <p:extLst>
       <p:ext uri="{BB962C8B-B14F-4D97-AF65-F5344CB8AC3E}">
-        <p14:creationId xmlns:p14="http://schemas.microsoft.com/office/powerpoint/2010/main" val="4010864378"/>
+        <p14:creationId xmlns:p14="http://schemas.microsoft.com/office/powerpoint/2010/main" val="3628474348"/>
       </p:ext>
     </p:extLst>
   </p:cSld>
@@ -5219,7 +5366,7 @@
           <p:cNvPr id="3" name="Рисунок 2">
             <a:extLst>
               <a:ext uri="{FF2B5EF4-FFF2-40B4-BE49-F238E27FC236}">
-                <a16:creationId xmlns:a16="http://schemas.microsoft.com/office/drawing/2014/main" id="{68487A37-918C-41D6-A514-2D389B69A044}"/>
+                <a16:creationId xmlns:a16="http://schemas.microsoft.com/office/drawing/2014/main" id="{E3BDC8FE-D8C9-4892-91DB-697BF194246A}"/>
               </a:ext>
             </a:extLst>
           </p:cNvPr>
@@ -5236,18 +5383,87 @@
         </p:blipFill>
         <p:spPr>
           <a:xfrm>
-            <a:off x="399311" y="228071"/>
-            <a:ext cx="5980779" cy="3795289"/>
+            <a:off x="660958" y="422031"/>
+            <a:ext cx="4961346" cy="1398501"/>
           </a:xfrm>
           <a:prstGeom prst="rect">
             <a:avLst/>
           </a:prstGeom>
         </p:spPr>
       </p:pic>
+      <p:pic>
+        <p:nvPicPr>
+          <p:cNvPr id="5" name="Рисунок 4">
+            <a:extLst>
+              <a:ext uri="{FF2B5EF4-FFF2-40B4-BE49-F238E27FC236}">
+                <a16:creationId xmlns:a16="http://schemas.microsoft.com/office/drawing/2014/main" id="{6368C455-7E6B-49F6-9559-C6C2BE39DA8B}"/>
+              </a:ext>
+            </a:extLst>
+          </p:cNvPr>
+          <p:cNvPicPr>
+            <a:picLocks noChangeAspect="1"/>
+          </p:cNvPicPr>
+          <p:nvPr/>
+        </p:nvPicPr>
+        <p:blipFill>
+          <a:blip r:embed="rId3"/>
+          <a:stretch>
+            <a:fillRect/>
+          </a:stretch>
+        </p:blipFill>
+        <p:spPr>
+          <a:xfrm>
+            <a:off x="464010" y="3345237"/>
+            <a:ext cx="6320231" cy="3090732"/>
+          </a:xfrm>
+          <a:prstGeom prst="rect">
+            <a:avLst/>
+          </a:prstGeom>
+        </p:spPr>
+      </p:pic>
+      <p:sp>
+        <p:nvSpPr>
+          <p:cNvPr id="2" name="TextBox 1">
+            <a:extLst>
+              <a:ext uri="{FF2B5EF4-FFF2-40B4-BE49-F238E27FC236}">
+                <a16:creationId xmlns:a16="http://schemas.microsoft.com/office/drawing/2014/main" id="{8E7AE008-5BFB-44A1-8725-7F4BC660F168}"/>
+              </a:ext>
+            </a:extLst>
+          </p:cNvPr>
+          <p:cNvSpPr txBox="1"/>
+          <p:nvPr/>
+        </p:nvSpPr>
+        <p:spPr>
+          <a:xfrm>
+            <a:off x="7413674" y="2686929"/>
+            <a:ext cx="4600135" cy="369332"/>
+          </a:xfrm>
+          <a:prstGeom prst="rect">
+            <a:avLst/>
+          </a:prstGeom>
+          <a:noFill/>
+        </p:spPr>
+        <p:txBody>
+          <a:bodyPr wrap="square" rtlCol="0">
+            <a:spAutoFit/>
+          </a:bodyPr>
+          <a:lstStyle/>
+          <a:p>
+            <a:r>
+              <a:rPr lang="ru-RU" dirty="0" err="1"/>
+              <a:t>Добовляем</a:t>
+            </a:r>
+            <a:r>
+              <a:rPr lang="ru-RU" dirty="0"/>
+              <a:t> математику в код</a:t>
+            </a:r>
+          </a:p>
+        </p:txBody>
+      </p:sp>
     </p:spTree>
     <p:extLst>
       <p:ext uri="{BB962C8B-B14F-4D97-AF65-F5344CB8AC3E}">
-        <p14:creationId xmlns:p14="http://schemas.microsoft.com/office/powerpoint/2010/main" val="722744932"/>
+        <p14:creationId xmlns:p14="http://schemas.microsoft.com/office/powerpoint/2010/main" val="3589566976"/>
       </p:ext>
     </p:extLst>
   </p:cSld>
